--- a/docs/resources/Presentation.pptx
+++ b/docs/resources/Presentation.pptx
@@ -278,7 +278,7 @@
           <a:p>
             <a:fld id="{FBA972DB-F795-481F-9DDB-E98EB1FB6476}" type="datetimeFigureOut">
               <a:rPr lang="en-US" smtClean="0"/>
-              <a:t>12/13/2018</a:t>
+              <a:t>12/14/2018</a:t>
             </a:fld>
             <a:endParaRPr lang="en-US"/>
           </a:p>
@@ -9464,484 +9464,6 @@
               </a:rPr>
               <a:t>	</a:t>
             </a:r>
-            <a:endParaRPr lang="en-US" b="1" baseline="0" dirty="0" smtClean="0"/>
-          </a:p>
-          <a:p>
-            <a:r>
-              <a:rPr lang="en-US" b="1" baseline="0" dirty="0" smtClean="0"/>
-              <a:t>IONIC: </a:t>
-            </a:r>
-            <a:r>
-              <a:rPr lang="en-US" baseline="0" dirty="0" smtClean="0"/>
-              <a:t>	- </a:t>
-            </a:r>
-            <a:r>
-              <a:rPr lang="vi-VN" sz="1200" b="0" i="0" kern="1200" dirty="0" smtClean="0">
-                <a:solidFill>
-                  <a:schemeClr val="tx1"/>
-                </a:solidFill>
-                <a:effectLst/>
-                <a:latin typeface="+mn-lt"/>
-                <a:ea typeface="+mn-ea"/>
-                <a:cs typeface="+mn-cs"/>
-              </a:rPr>
-              <a:t>là một framework dùng để phát triển ứng dụng </a:t>
-            </a:r>
-            <a:r>
-              <a:rPr lang="en-US" sz="1200" b="0" i="0" kern="1200" dirty="0" smtClean="0">
-                <a:solidFill>
-                  <a:schemeClr val="tx1"/>
-                </a:solidFill>
-                <a:effectLst/>
-                <a:latin typeface="+mn-lt"/>
-                <a:ea typeface="+mn-ea"/>
-                <a:cs typeface="+mn-cs"/>
-              </a:rPr>
-              <a:t>di </a:t>
-            </a:r>
-            <a:r>
-              <a:rPr lang="en-US" sz="1200" b="0" i="0" kern="1200" dirty="0" err="1" smtClean="0">
-                <a:solidFill>
-                  <a:schemeClr val="tx1"/>
-                </a:solidFill>
-                <a:effectLst/>
-                <a:latin typeface="+mn-lt"/>
-                <a:ea typeface="+mn-ea"/>
-                <a:cs typeface="+mn-cs"/>
-              </a:rPr>
-              <a:t>động</a:t>
-            </a:r>
-            <a:r>
-              <a:rPr lang="en-US" sz="1200" b="0" i="0" kern="1200" dirty="0" smtClean="0">
-                <a:solidFill>
-                  <a:schemeClr val="tx1"/>
-                </a:solidFill>
-                <a:effectLst/>
-                <a:latin typeface="+mn-lt"/>
-                <a:ea typeface="+mn-ea"/>
-                <a:cs typeface="+mn-cs"/>
-              </a:rPr>
-              <a:t> hybrid (</a:t>
-            </a:r>
-            <a:r>
-              <a:rPr lang="en-US" sz="1200" b="0" i="0" kern="1200" dirty="0" err="1" smtClean="0">
-                <a:solidFill>
-                  <a:schemeClr val="tx1"/>
-                </a:solidFill>
-                <a:effectLst/>
-                <a:latin typeface="+mn-lt"/>
-                <a:ea typeface="+mn-ea"/>
-                <a:cs typeface="+mn-cs"/>
-              </a:rPr>
-              <a:t>kết</a:t>
-            </a:r>
-            <a:r>
-              <a:rPr lang="en-US" sz="1200" b="0" i="0" kern="1200" baseline="0" dirty="0" smtClean="0">
-                <a:solidFill>
-                  <a:schemeClr val="tx1"/>
-                </a:solidFill>
-                <a:effectLst/>
-                <a:latin typeface="+mn-lt"/>
-                <a:ea typeface="+mn-ea"/>
-                <a:cs typeface="+mn-cs"/>
-              </a:rPr>
-              <a:t> </a:t>
-            </a:r>
-            <a:r>
-              <a:rPr lang="en-US" sz="1200" b="0" i="0" kern="1200" baseline="0" dirty="0" err="1" smtClean="0">
-                <a:solidFill>
-                  <a:schemeClr val="tx1"/>
-                </a:solidFill>
-                <a:effectLst/>
-                <a:latin typeface="+mn-lt"/>
-                <a:ea typeface="+mn-ea"/>
-                <a:cs typeface="+mn-cs"/>
-              </a:rPr>
-              <a:t>hợp</a:t>
-            </a:r>
-            <a:r>
-              <a:rPr lang="en-US" sz="1200" b="0" i="0" kern="1200" baseline="0" dirty="0" smtClean="0">
-                <a:solidFill>
-                  <a:schemeClr val="tx1"/>
-                </a:solidFill>
-                <a:effectLst/>
-                <a:latin typeface="+mn-lt"/>
-                <a:ea typeface="+mn-ea"/>
-                <a:cs typeface="+mn-cs"/>
-              </a:rPr>
-              <a:t> </a:t>
-            </a:r>
-            <a:r>
-              <a:rPr lang="en-US" sz="1200" b="0" i="0" kern="1200" baseline="0" dirty="0" err="1" smtClean="0">
-                <a:solidFill>
-                  <a:schemeClr val="tx1"/>
-                </a:solidFill>
-                <a:effectLst/>
-                <a:latin typeface="+mn-lt"/>
-                <a:ea typeface="+mn-ea"/>
-                <a:cs typeface="+mn-cs"/>
-              </a:rPr>
-              <a:t>giữa</a:t>
-            </a:r>
-            <a:r>
-              <a:rPr lang="en-US" sz="1200" b="0" i="0" kern="1200" baseline="0" dirty="0" smtClean="0">
-                <a:solidFill>
-                  <a:schemeClr val="tx1"/>
-                </a:solidFill>
-                <a:effectLst/>
-                <a:latin typeface="+mn-lt"/>
-                <a:ea typeface="+mn-ea"/>
-                <a:cs typeface="+mn-cs"/>
-              </a:rPr>
-              <a:t> </a:t>
-            </a:r>
-            <a:r>
-              <a:rPr lang="en-US" sz="1200" b="1" i="0" kern="1200" dirty="0" smtClean="0">
-                <a:solidFill>
-                  <a:schemeClr val="tx1"/>
-                </a:solidFill>
-                <a:effectLst/>
-                <a:latin typeface="+mn-lt"/>
-                <a:ea typeface="+mn-ea"/>
-                <a:cs typeface="+mn-cs"/>
-              </a:rPr>
-              <a:t>Native app </a:t>
-            </a:r>
-            <a:r>
-              <a:rPr lang="en-US" sz="1200" b="1" i="0" kern="1200" dirty="0" err="1" smtClean="0">
-                <a:solidFill>
-                  <a:schemeClr val="tx1"/>
-                </a:solidFill>
-                <a:effectLst/>
-                <a:latin typeface="+mn-lt"/>
-                <a:ea typeface="+mn-ea"/>
-                <a:cs typeface="+mn-cs"/>
-              </a:rPr>
-              <a:t>và</a:t>
-            </a:r>
-            <a:r>
-              <a:rPr lang="en-US" sz="1200" b="1" i="0" kern="1200" dirty="0" smtClean="0">
-                <a:solidFill>
-                  <a:schemeClr val="tx1"/>
-                </a:solidFill>
-                <a:effectLst/>
-                <a:latin typeface="+mn-lt"/>
-                <a:ea typeface="+mn-ea"/>
-                <a:cs typeface="+mn-cs"/>
-              </a:rPr>
-              <a:t> Mobile </a:t>
-            </a:r>
-            <a:r>
-              <a:rPr lang="en-US" sz="1200" b="1" i="0" kern="1200" dirty="0" err="1" smtClean="0">
-                <a:solidFill>
-                  <a:schemeClr val="tx1"/>
-                </a:solidFill>
-                <a:effectLst/>
-                <a:latin typeface="+mn-lt"/>
-                <a:ea typeface="+mn-ea"/>
-                <a:cs typeface="+mn-cs"/>
-              </a:rPr>
-              <a:t>webapp</a:t>
-            </a:r>
-            <a:r>
-              <a:rPr lang="en-US" sz="1200" b="1" i="0" kern="1200" dirty="0" smtClean="0">
-                <a:solidFill>
-                  <a:schemeClr val="tx1"/>
-                </a:solidFill>
-                <a:effectLst/>
-                <a:latin typeface="+mn-lt"/>
-                <a:ea typeface="+mn-ea"/>
-                <a:cs typeface="+mn-cs"/>
-              </a:rPr>
-              <a:t>)</a:t>
-            </a:r>
-            <a:r>
-              <a:rPr lang="en-US" sz="1200" b="0" i="0" kern="1200" baseline="0" dirty="0" smtClean="0">
-                <a:solidFill>
-                  <a:schemeClr val="tx1"/>
-                </a:solidFill>
-                <a:effectLst/>
-                <a:latin typeface="+mn-lt"/>
-                <a:ea typeface="+mn-ea"/>
-                <a:cs typeface="+mn-cs"/>
-              </a:rPr>
-              <a:t>,</a:t>
-            </a:r>
-          </a:p>
-          <a:p>
-            <a:r>
-              <a:rPr lang="en-US" sz="1200" b="0" i="0" kern="1200" baseline="0" dirty="0" smtClean="0">
-                <a:solidFill>
-                  <a:schemeClr val="tx1"/>
-                </a:solidFill>
-                <a:effectLst/>
-                <a:latin typeface="+mn-lt"/>
-                <a:ea typeface="+mn-ea"/>
-                <a:cs typeface="+mn-cs"/>
-              </a:rPr>
-              <a:t>	- </a:t>
-            </a:r>
-            <a:r>
-              <a:rPr lang="vi-VN" sz="1200" b="0" i="0" kern="1200" dirty="0" smtClean="0">
-                <a:solidFill>
-                  <a:schemeClr val="tx1"/>
-                </a:solidFill>
-                <a:effectLst/>
-                <a:latin typeface="+mn-lt"/>
-                <a:ea typeface="+mn-ea"/>
-                <a:cs typeface="+mn-cs"/>
-              </a:rPr>
-              <a:t>được xây dựng bằng các công nghệ phát triển web như HTML5, CSS, JavaScript </a:t>
-            </a:r>
-            <a:endParaRPr lang="en-US" sz="1200" b="0" i="0" kern="1200" dirty="0" smtClean="0">
-              <a:solidFill>
-                <a:schemeClr val="tx1"/>
-              </a:solidFill>
-              <a:effectLst/>
-              <a:latin typeface="+mn-lt"/>
-              <a:ea typeface="+mn-ea"/>
-              <a:cs typeface="+mn-cs"/>
-            </a:endParaRPr>
-          </a:p>
-          <a:p>
-            <a:r>
-              <a:rPr lang="en-US" sz="1200" b="0" i="0" kern="1200" dirty="0" smtClean="0">
-                <a:solidFill>
-                  <a:schemeClr val="tx1"/>
-                </a:solidFill>
-                <a:effectLst/>
-                <a:latin typeface="+mn-lt"/>
-                <a:ea typeface="+mn-ea"/>
-                <a:cs typeface="+mn-cs"/>
-              </a:rPr>
-              <a:t>	- ƯU</a:t>
-            </a:r>
-            <a:r>
-              <a:rPr lang="en-US" sz="1200" b="0" i="0" kern="1200" baseline="0" dirty="0" smtClean="0">
-                <a:solidFill>
-                  <a:schemeClr val="tx1"/>
-                </a:solidFill>
-                <a:effectLst/>
-                <a:latin typeface="+mn-lt"/>
-                <a:ea typeface="+mn-ea"/>
-                <a:cs typeface="+mn-cs"/>
-              </a:rPr>
-              <a:t> ĐIỂM:</a:t>
-            </a:r>
-          </a:p>
-          <a:p>
-            <a:r>
-              <a:rPr lang="en-US" sz="1200" b="0" i="0" kern="1200" baseline="0" dirty="0" smtClean="0">
-                <a:solidFill>
-                  <a:schemeClr val="tx1"/>
-                </a:solidFill>
-                <a:effectLst/>
-                <a:latin typeface="+mn-lt"/>
-                <a:ea typeface="+mn-ea"/>
-                <a:cs typeface="+mn-cs"/>
-              </a:rPr>
-              <a:t>	+ K</a:t>
-            </a:r>
-            <a:r>
-              <a:rPr lang="vi-VN" sz="1200" b="0" i="0" kern="1200" dirty="0" smtClean="0">
-                <a:solidFill>
-                  <a:schemeClr val="tx1"/>
-                </a:solidFill>
-                <a:effectLst/>
-                <a:latin typeface="+mn-lt"/>
-                <a:ea typeface="+mn-ea"/>
-                <a:cs typeface="+mn-cs"/>
-              </a:rPr>
-              <a:t>hả năng hiển thị nội dung trên tất cả các thiết bị di động</a:t>
-            </a:r>
-            <a:endParaRPr lang="en-US" sz="1200" b="0" i="0" kern="1200" dirty="0" smtClean="0">
-              <a:solidFill>
-                <a:schemeClr val="tx1"/>
-              </a:solidFill>
-              <a:effectLst/>
-              <a:latin typeface="+mn-lt"/>
-              <a:ea typeface="+mn-ea"/>
-              <a:cs typeface="+mn-cs"/>
-            </a:endParaRPr>
-          </a:p>
-          <a:p>
-            <a:r>
-              <a:rPr lang="en-US" sz="1200" b="0" i="0" kern="1200" dirty="0" smtClean="0">
-                <a:solidFill>
-                  <a:schemeClr val="tx1"/>
-                </a:solidFill>
-                <a:effectLst/>
-                <a:latin typeface="+mn-lt"/>
-                <a:ea typeface="+mn-ea"/>
-                <a:cs typeface="+mn-cs"/>
-              </a:rPr>
-              <a:t>	+</a:t>
-            </a:r>
-            <a:r>
-              <a:rPr lang="en-US" sz="1200" b="0" i="0" kern="1200" baseline="0" dirty="0" smtClean="0">
-                <a:solidFill>
-                  <a:schemeClr val="tx1"/>
-                </a:solidFill>
-                <a:effectLst/>
-                <a:latin typeface="+mn-lt"/>
-                <a:ea typeface="+mn-ea"/>
-                <a:cs typeface="+mn-cs"/>
-              </a:rPr>
-              <a:t> </a:t>
-            </a:r>
-            <a:r>
-              <a:rPr lang="vi-VN" sz="1200" b="0" i="0" kern="1200" dirty="0" smtClean="0">
-                <a:solidFill>
-                  <a:schemeClr val="tx1"/>
-                </a:solidFill>
-                <a:effectLst/>
-                <a:latin typeface="+mn-lt"/>
-                <a:ea typeface="+mn-ea"/>
-                <a:cs typeface="+mn-cs"/>
-              </a:rPr>
-              <a:t>cũng như tận dụng tối đa các tính năng khác của thiết bị di động như GPS, camera, danh sách liên lạc,… </a:t>
-            </a:r>
-            <a:endParaRPr lang="en-US" sz="1200" b="0" i="0" kern="1200" dirty="0" smtClean="0">
-              <a:solidFill>
-                <a:schemeClr val="tx1"/>
-              </a:solidFill>
-              <a:effectLst/>
-              <a:latin typeface="+mn-lt"/>
-              <a:ea typeface="+mn-ea"/>
-              <a:cs typeface="+mn-cs"/>
-            </a:endParaRPr>
-          </a:p>
-          <a:p>
-            <a:r>
-              <a:rPr lang="en-US" sz="1200" b="0" i="0" kern="1200" dirty="0" smtClean="0">
-                <a:solidFill>
-                  <a:schemeClr val="tx1"/>
-                </a:solidFill>
-                <a:effectLst/>
-                <a:latin typeface="+mn-lt"/>
-                <a:ea typeface="+mn-ea"/>
-                <a:cs typeface="+mn-cs"/>
-              </a:rPr>
-              <a:t>	+</a:t>
-            </a:r>
-            <a:r>
-              <a:rPr lang="en-US" sz="1200" b="0" i="0" kern="1200" baseline="0" dirty="0" smtClean="0">
-                <a:solidFill>
-                  <a:schemeClr val="tx1"/>
-                </a:solidFill>
-                <a:effectLst/>
-                <a:latin typeface="+mn-lt"/>
-                <a:ea typeface="+mn-ea"/>
-                <a:cs typeface="+mn-cs"/>
-              </a:rPr>
-              <a:t> </a:t>
-            </a:r>
-            <a:r>
-              <a:rPr lang="vi-VN" sz="1200" b="0" i="0" kern="1200" dirty="0" smtClean="0">
-                <a:solidFill>
-                  <a:schemeClr val="tx1"/>
-                </a:solidFill>
-                <a:effectLst/>
-                <a:latin typeface="+mn-lt"/>
-                <a:ea typeface="+mn-ea"/>
-                <a:cs typeface="+mn-cs"/>
-              </a:rPr>
-              <a:t>Bên cạnh đó, thời gian và chi phí dùng để tạo nên một ứng dụng </a:t>
-            </a:r>
-            <a:r>
-              <a:rPr lang="en-US" sz="1200" b="0" i="0" kern="1200" dirty="0" smtClean="0">
-                <a:solidFill>
-                  <a:schemeClr val="tx1"/>
-                </a:solidFill>
-                <a:effectLst/>
-                <a:latin typeface="+mn-lt"/>
-                <a:ea typeface="+mn-ea"/>
-                <a:cs typeface="+mn-cs"/>
-              </a:rPr>
-              <a:t>di</a:t>
-            </a:r>
-            <a:r>
-              <a:rPr lang="en-US" sz="1200" b="0" i="0" kern="1200" baseline="0" dirty="0" smtClean="0">
-                <a:solidFill>
-                  <a:schemeClr val="tx1"/>
-                </a:solidFill>
-                <a:effectLst/>
-                <a:latin typeface="+mn-lt"/>
-                <a:ea typeface="+mn-ea"/>
-                <a:cs typeface="+mn-cs"/>
-              </a:rPr>
-              <a:t> </a:t>
-            </a:r>
-            <a:r>
-              <a:rPr lang="en-US" sz="1200" b="0" i="0" kern="1200" baseline="0" dirty="0" err="1" smtClean="0">
-                <a:solidFill>
-                  <a:schemeClr val="tx1"/>
-                </a:solidFill>
-                <a:effectLst/>
-                <a:latin typeface="+mn-lt"/>
-                <a:ea typeface="+mn-ea"/>
-                <a:cs typeface="+mn-cs"/>
-              </a:rPr>
-              <a:t>động</a:t>
-            </a:r>
-            <a:r>
-              <a:rPr lang="vi-VN" sz="1200" b="0" i="0" kern="1200" dirty="0" smtClean="0">
-                <a:solidFill>
-                  <a:schemeClr val="tx1"/>
-                </a:solidFill>
-                <a:effectLst/>
-                <a:latin typeface="+mn-lt"/>
-                <a:ea typeface="+mn-ea"/>
-                <a:cs typeface="+mn-cs"/>
-              </a:rPr>
-              <a:t> cũng thấp hơn so với các ứng dụng di động thông thường.</a:t>
-            </a:r>
-            <a:endParaRPr lang="en-US" sz="1200" b="0" i="0" kern="1200" dirty="0" smtClean="0">
-              <a:solidFill>
-                <a:schemeClr val="tx1"/>
-              </a:solidFill>
-              <a:effectLst/>
-              <a:latin typeface="+mn-lt"/>
-              <a:ea typeface="+mn-ea"/>
-              <a:cs typeface="+mn-cs"/>
-            </a:endParaRPr>
-          </a:p>
-          <a:p>
-            <a:r>
-              <a:rPr lang="en-US" sz="1200" b="0" i="0" kern="1200" dirty="0" smtClean="0">
-                <a:solidFill>
-                  <a:schemeClr val="tx1"/>
-                </a:solidFill>
-                <a:effectLst/>
-                <a:latin typeface="+mn-lt"/>
-                <a:ea typeface="+mn-ea"/>
-                <a:cs typeface="+mn-cs"/>
-              </a:rPr>
-              <a:t>	+ </a:t>
-            </a:r>
-            <a:r>
-              <a:rPr lang="vi-VN" sz="1200" b="0" i="0" kern="1200" dirty="0" smtClean="0">
-                <a:solidFill>
-                  <a:schemeClr val="tx1"/>
-                </a:solidFill>
-                <a:effectLst/>
-                <a:latin typeface="+mn-lt"/>
-                <a:ea typeface="+mn-ea"/>
-                <a:cs typeface="+mn-cs"/>
-              </a:rPr>
-              <a:t>hiệu ứng chuyển động mượt mà và thiết kế đẹp</a:t>
-            </a:r>
-            <a:endParaRPr lang="en-US" sz="1200" b="0" i="0" kern="1200" dirty="0" smtClean="0">
-              <a:solidFill>
-                <a:schemeClr val="tx1"/>
-              </a:solidFill>
-              <a:effectLst/>
-              <a:latin typeface="+mn-lt"/>
-              <a:ea typeface="+mn-ea"/>
-              <a:cs typeface="+mn-cs"/>
-            </a:endParaRPr>
-          </a:p>
-          <a:p>
             <a:endParaRPr lang="en-US" sz="1200" b="0" i="0" kern="1200" dirty="0" smtClean="0">
               <a:solidFill>
                 <a:schemeClr val="tx1"/>
@@ -14490,7 +14012,7 @@
         <p:spPr>
           <a:xfrm>
             <a:off x="6527787" y="4979246"/>
-            <a:ext cx="1903957" cy="381000"/>
+            <a:ext cx="1903957" cy="511068"/>
           </a:xfrm>
           <a:prstGeom prst="roundRect">
             <a:avLst/>
@@ -14521,14 +14043,78 @@
           <a:p>
             <a:pPr algn="ctr"/>
             <a:r>
-              <a:rPr lang="en-US" b="1" smtClean="0">
+              <a:rPr lang="en-US" b="1" dirty="0" err="1" smtClean="0">
                 <a:solidFill>
                   <a:srgbClr val="000066"/>
                 </a:solidFill>
               </a:rPr>
-              <a:t>Điều chỉnh lịch</a:t>
-            </a:r>
-            <a:endParaRPr lang="en-US" b="1">
+              <a:t>Xử</a:t>
+            </a:r>
+            <a:r>
+              <a:rPr lang="en-US" b="1" dirty="0" smtClean="0">
+                <a:solidFill>
+                  <a:srgbClr val="000066"/>
+                </a:solidFill>
+              </a:rPr>
+              <a:t> </a:t>
+            </a:r>
+            <a:r>
+              <a:rPr lang="en-US" b="1" dirty="0" err="1" smtClean="0">
+                <a:solidFill>
+                  <a:srgbClr val="000066"/>
+                </a:solidFill>
+              </a:rPr>
+              <a:t>lý</a:t>
+            </a:r>
+            <a:r>
+              <a:rPr lang="en-US" b="1" dirty="0" smtClean="0">
+                <a:solidFill>
+                  <a:srgbClr val="000066"/>
+                </a:solidFill>
+              </a:rPr>
+              <a:t> </a:t>
+            </a:r>
+            <a:r>
+              <a:rPr lang="en-US" b="1" dirty="0" err="1" smtClean="0">
+                <a:solidFill>
+                  <a:srgbClr val="000066"/>
+                </a:solidFill>
+              </a:rPr>
+              <a:t>lịch</a:t>
+            </a:r>
+            <a:r>
+              <a:rPr lang="en-US" b="1" dirty="0" smtClean="0">
+                <a:solidFill>
+                  <a:srgbClr val="000066"/>
+                </a:solidFill>
+              </a:rPr>
+              <a:t> </a:t>
+            </a:r>
+            <a:r>
+              <a:rPr lang="en-US" b="1" dirty="0" err="1" smtClean="0">
+                <a:solidFill>
+                  <a:srgbClr val="000066"/>
+                </a:solidFill>
+              </a:rPr>
+              <a:t>chờ</a:t>
+            </a:r>
+            <a:r>
+              <a:rPr lang="en-US" b="1" dirty="0" smtClean="0">
+                <a:solidFill>
+                  <a:srgbClr val="000066"/>
+                </a:solidFill>
+              </a:rPr>
+              <a:t> </a:t>
+            </a:r>
+            <a:r>
+              <a:rPr lang="en-US" b="1" dirty="0" err="1" smtClean="0">
+                <a:solidFill>
+                  <a:srgbClr val="000066"/>
+                </a:solidFill>
+              </a:rPr>
+              <a:t>duyệt</a:t>
+            </a:r>
+            <a:endParaRPr lang="en-US" b="1" dirty="0">
               <a:solidFill>
                 <a:srgbClr val="000066"/>
               </a:solidFill>
@@ -14591,36 +14177,6 @@
           </a:p>
         </p:txBody>
       </p:sp>
-      <p:pic>
-        <p:nvPicPr>
-          <p:cNvPr id="40" name="Picture 39"/>
-          <p:cNvPicPr>
-            <a:picLocks noChangeAspect="1"/>
-          </p:cNvPicPr>
-          <p:nvPr/>
-        </p:nvPicPr>
-        <p:blipFill>
-          <a:blip r:embed="rId5">
-            <a:extLst>
-              <a:ext uri="{28A0092B-C50C-407E-A947-70E740481C1C}">
-                <a14:useLocalDpi xmlns:a14="http://schemas.microsoft.com/office/drawing/2010/main" val="0"/>
-              </a:ext>
-            </a:extLst>
-          </a:blip>
-          <a:stretch>
-            <a:fillRect/>
-          </a:stretch>
-        </p:blipFill>
-        <p:spPr>
-          <a:xfrm>
-            <a:off x="3886200" y="4191567"/>
-            <a:ext cx="1352290" cy="1352290"/>
-          </a:xfrm>
-          <a:prstGeom prst="rect">
-            <a:avLst/>
-          </a:prstGeom>
-        </p:spPr>
-      </p:pic>
       <p:sp>
         <p:nvSpPr>
           <p:cNvPr id="41" name="Rounded Rectangle 40"/>
@@ -14794,7 +14350,7 @@
         </p:nvSpPr>
         <p:spPr>
           <a:xfrm>
-            <a:off x="3680892" y="5543857"/>
+            <a:off x="6527787" y="5550863"/>
             <a:ext cx="1903957" cy="551147"/>
           </a:xfrm>
           <a:prstGeom prst="roundRect">
@@ -14826,14 +14382,86 @@
           <a:p>
             <a:pPr algn="ctr"/>
             <a:r>
-              <a:rPr lang="en-US" b="1" smtClean="0">
+              <a:rPr lang="en-US" b="1" dirty="0" err="1" smtClean="0">
                 <a:solidFill>
                   <a:srgbClr val="000066"/>
                 </a:solidFill>
               </a:rPr>
-              <a:t>Các chức năng quản lý </a:t>
-            </a:r>
-            <a:endParaRPr lang="en-US" b="1">
+              <a:t>Các</a:t>
+            </a:r>
+            <a:r>
+              <a:rPr lang="en-US" b="1" dirty="0" smtClean="0">
+                <a:solidFill>
+                  <a:srgbClr val="000066"/>
+                </a:solidFill>
+              </a:rPr>
+              <a:t> </a:t>
+            </a:r>
+            <a:r>
+              <a:rPr lang="en-US" b="1" dirty="0" err="1" smtClean="0">
+                <a:solidFill>
+                  <a:srgbClr val="000066"/>
+                </a:solidFill>
+              </a:rPr>
+              <a:t>chức</a:t>
+            </a:r>
+            <a:r>
+              <a:rPr lang="en-US" b="1" dirty="0" smtClean="0">
+                <a:solidFill>
+                  <a:srgbClr val="000066"/>
+                </a:solidFill>
+              </a:rPr>
+              <a:t> </a:t>
+            </a:r>
+            <a:r>
+              <a:rPr lang="en-US" b="1" dirty="0" err="1" smtClean="0">
+                <a:solidFill>
+                  <a:srgbClr val="000066"/>
+                </a:solidFill>
+              </a:rPr>
+              <a:t>năng</a:t>
+            </a:r>
+            <a:r>
+              <a:rPr lang="en-US" b="1" dirty="0" smtClean="0">
+                <a:solidFill>
+                  <a:srgbClr val="000066"/>
+                </a:solidFill>
+              </a:rPr>
+              <a:t> </a:t>
+            </a:r>
+            <a:r>
+              <a:rPr lang="en-US" b="1" dirty="0" err="1" smtClean="0">
+                <a:solidFill>
+                  <a:srgbClr val="000066"/>
+                </a:solidFill>
+              </a:rPr>
+              <a:t>quản</a:t>
+            </a:r>
+            <a:r>
+              <a:rPr lang="en-US" b="1" dirty="0" smtClean="0">
+                <a:solidFill>
+                  <a:srgbClr val="000066"/>
+                </a:solidFill>
+              </a:rPr>
+              <a:t> </a:t>
+            </a:r>
+            <a:r>
+              <a:rPr lang="en-US" b="1" dirty="0" err="1" smtClean="0">
+                <a:solidFill>
+                  <a:srgbClr val="000066"/>
+                </a:solidFill>
+              </a:rPr>
+              <a:t>lý</a:t>
+            </a:r>
+            <a:r>
+              <a:rPr lang="en-US" b="1" dirty="0" smtClean="0">
+                <a:solidFill>
+                  <a:srgbClr val="000066"/>
+                </a:solidFill>
+              </a:rPr>
+              <a:t> </a:t>
+            </a:r>
+            <a:endParaRPr lang="en-US" b="1" dirty="0">
               <a:solidFill>
                 <a:srgbClr val="000066"/>
               </a:solidFill>
@@ -14982,51 +14610,30 @@
           <a:lstStyle/>
           <a:p>
             <a:r>
-              <a:rPr lang="en-US" b="1" smtClean="0">
+              <a:rPr lang="en-US" b="1" dirty="0" err="1" smtClean="0">
                 <a:solidFill>
                   <a:srgbClr val="000066"/>
                 </a:solidFill>
               </a:rPr>
-              <a:t>Giảng viên</a:t>
-            </a:r>
-            <a:endParaRPr lang="en-US" b="1">
-              <a:solidFill>
-                <a:srgbClr val="000066"/>
-              </a:solidFill>
-            </a:endParaRPr>
-          </a:p>
-        </p:txBody>
-      </p:sp>
-      <p:sp>
-        <p:nvSpPr>
-          <p:cNvPr id="6" name="Rectangle 5"/>
-          <p:cNvSpPr/>
-          <p:nvPr/>
-        </p:nvSpPr>
-        <p:spPr>
-          <a:xfrm>
-            <a:off x="3479404" y="4245232"/>
-            <a:ext cx="902811" cy="369332"/>
-          </a:xfrm>
-          <a:prstGeom prst="rect">
-            <a:avLst/>
-          </a:prstGeom>
-        </p:spPr>
-        <p:txBody>
-          <a:bodyPr wrap="none">
-            <a:spAutoFit/>
-          </a:bodyPr>
-          <a:lstStyle/>
-          <a:p>
-            <a:r>
-              <a:rPr lang="en-US" b="1" smtClean="0">
+              <a:t>Giảng</a:t>
+            </a:r>
+            <a:r>
+              <a:rPr lang="en-US" b="1" dirty="0" smtClean="0">
                 <a:solidFill>
                   <a:srgbClr val="000066"/>
                 </a:solidFill>
               </a:rPr>
-              <a:t>Admin</a:t>
-            </a:r>
-            <a:endParaRPr lang="en-US" b="1">
+              <a:t> </a:t>
+            </a:r>
+            <a:r>
+              <a:rPr lang="en-US" b="1" dirty="0" err="1" smtClean="0">
+                <a:solidFill>
+                  <a:srgbClr val="000066"/>
+                </a:solidFill>
+              </a:rPr>
+              <a:t>viên</a:t>
+            </a:r>
+            <a:endParaRPr lang="en-US" b="1" dirty="0">
               <a:solidFill>
                 <a:srgbClr val="000066"/>
               </a:solidFill>
@@ -15071,18 +14678,205 @@
           </a:p>
         </p:txBody>
       </p:sp>
+      <p:pic>
+        <p:nvPicPr>
+          <p:cNvPr id="22" name="Picture 21"/>
+          <p:cNvPicPr>
+            <a:picLocks noChangeAspect="1"/>
+          </p:cNvPicPr>
+          <p:nvPr/>
+        </p:nvPicPr>
+        <p:blipFill>
+          <a:blip r:embed="rId4" cstate="print">
+            <a:extLst>
+              <a:ext uri="{28A0092B-C50C-407E-A947-70E740481C1C}">
+                <a14:useLocalDpi xmlns:a14="http://schemas.microsoft.com/office/drawing/2010/main" val="0"/>
+              </a:ext>
+            </a:extLst>
+          </a:blip>
+          <a:stretch>
+            <a:fillRect/>
+          </a:stretch>
+        </p:blipFill>
+        <p:spPr>
+          <a:xfrm>
+            <a:off x="4223844" y="4469983"/>
+            <a:ext cx="1200412" cy="1200412"/>
+          </a:xfrm>
+          <a:prstGeom prst="rect">
+            <a:avLst/>
+          </a:prstGeom>
+        </p:spPr>
+      </p:pic>
       <p:sp>
         <p:nvSpPr>
-          <p:cNvPr id="54" name="Down Arrow 53"/>
+          <p:cNvPr id="23" name="TextBox 22"/>
+          <p:cNvSpPr txBox="1"/>
+          <p:nvPr/>
+        </p:nvSpPr>
+        <p:spPr>
+          <a:xfrm>
+            <a:off x="4357353" y="4059247"/>
+            <a:ext cx="1028478" cy="369332"/>
+          </a:xfrm>
+          <a:prstGeom prst="rect">
+            <a:avLst/>
+          </a:prstGeom>
+          <a:noFill/>
+        </p:spPr>
+        <p:txBody>
+          <a:bodyPr wrap="square" rtlCol="0">
+            <a:spAutoFit/>
+          </a:bodyPr>
+          <a:lstStyle/>
+          <a:p>
+            <a:r>
+              <a:rPr lang="en-US" b="1" dirty="0" err="1" smtClean="0">
+                <a:solidFill>
+                  <a:srgbClr val="000066"/>
+                </a:solidFill>
+              </a:rPr>
+              <a:t>Khách</a:t>
+            </a:r>
+            <a:endParaRPr lang="en-US" b="1" dirty="0">
+              <a:solidFill>
+                <a:srgbClr val="000066"/>
+              </a:solidFill>
+            </a:endParaRPr>
+          </a:p>
+        </p:txBody>
+      </p:sp>
+      <p:sp>
+        <p:nvSpPr>
+          <p:cNvPr id="24" name="Rounded Rectangle 23"/>
           <p:cNvSpPr/>
           <p:nvPr/>
         </p:nvSpPr>
         <p:spPr>
           <a:xfrm>
-            <a:off x="4349558" y="3585838"/>
-            <a:ext cx="747670" cy="507992"/>
+            <a:off x="3767688" y="5753203"/>
+            <a:ext cx="2112724" cy="527671"/>
           </a:xfrm>
-          <a:prstGeom prst="downArrow">
+          <a:prstGeom prst="roundRect">
+            <a:avLst/>
+          </a:prstGeom>
+          <a:solidFill>
+            <a:srgbClr val="FCFAA4"/>
+          </a:solidFill>
+        </p:spPr>
+        <p:style>
+          <a:lnRef idx="2">
+            <a:schemeClr val="accent1">
+              <a:shade val="50000"/>
+            </a:schemeClr>
+          </a:lnRef>
+          <a:fillRef idx="1">
+            <a:schemeClr val="accent1"/>
+          </a:fillRef>
+          <a:effectRef idx="0">
+            <a:schemeClr val="accent1"/>
+          </a:effectRef>
+          <a:fontRef idx="minor">
+            <a:schemeClr val="lt1"/>
+          </a:fontRef>
+        </p:style>
+        <p:txBody>
+          <a:bodyPr rtlCol="0" anchor="ctr"/>
+          <a:lstStyle/>
+          <a:p>
+            <a:pPr algn="ctr"/>
+            <a:r>
+              <a:rPr lang="en-US" b="1" dirty="0" err="1" smtClean="0">
+                <a:solidFill>
+                  <a:srgbClr val="000066"/>
+                </a:solidFill>
+              </a:rPr>
+              <a:t>Xem</a:t>
+            </a:r>
+            <a:r>
+              <a:rPr lang="en-US" b="1" dirty="0" smtClean="0">
+                <a:solidFill>
+                  <a:srgbClr val="000066"/>
+                </a:solidFill>
+              </a:rPr>
+              <a:t> </a:t>
+            </a:r>
+            <a:r>
+              <a:rPr lang="en-US" b="1" dirty="0" err="1" smtClean="0">
+                <a:solidFill>
+                  <a:srgbClr val="000066"/>
+                </a:solidFill>
+              </a:rPr>
+              <a:t>lịch</a:t>
+            </a:r>
+            <a:r>
+              <a:rPr lang="en-US" b="1" dirty="0" smtClean="0">
+                <a:solidFill>
+                  <a:srgbClr val="000066"/>
+                </a:solidFill>
+              </a:rPr>
+              <a:t> </a:t>
+            </a:r>
+            <a:r>
+              <a:rPr lang="en-US" b="1" dirty="0" err="1" smtClean="0">
+                <a:solidFill>
+                  <a:srgbClr val="000066"/>
+                </a:solidFill>
+              </a:rPr>
+              <a:t>dạy</a:t>
+            </a:r>
+            <a:r>
+              <a:rPr lang="en-US" b="1" dirty="0" smtClean="0">
+                <a:solidFill>
+                  <a:srgbClr val="000066"/>
+                </a:solidFill>
+              </a:rPr>
+              <a:t> </a:t>
+            </a:r>
+            <a:r>
+              <a:rPr lang="en-US" b="1" dirty="0" err="1" smtClean="0">
+                <a:solidFill>
+                  <a:srgbClr val="000066"/>
+                </a:solidFill>
+              </a:rPr>
+              <a:t>toàn</a:t>
+            </a:r>
+            <a:r>
+              <a:rPr lang="en-US" b="1" dirty="0" smtClean="0">
+                <a:solidFill>
+                  <a:srgbClr val="000066"/>
+                </a:solidFill>
+              </a:rPr>
+              <a:t> </a:t>
+            </a:r>
+            <a:r>
+              <a:rPr lang="en-US" b="1" dirty="0" err="1" smtClean="0">
+                <a:solidFill>
+                  <a:srgbClr val="000066"/>
+                </a:solidFill>
+              </a:rPr>
+              <a:t>khoa</a:t>
+            </a:r>
+            <a:endParaRPr lang="en-US" b="1" dirty="0">
+              <a:solidFill>
+                <a:srgbClr val="000066"/>
+              </a:solidFill>
+            </a:endParaRPr>
+          </a:p>
+        </p:txBody>
+      </p:sp>
+      <p:sp>
+        <p:nvSpPr>
+          <p:cNvPr id="25" name="Left Arrow 24"/>
+          <p:cNvSpPr/>
+          <p:nvPr/>
+        </p:nvSpPr>
+        <p:spPr>
+          <a:xfrm rot="16200000">
+            <a:off x="4492162" y="3486287"/>
+            <a:ext cx="663775" cy="497681"/>
+          </a:xfrm>
+          <a:prstGeom prst="leftArrow">
             <a:avLst/>
           </a:prstGeom>
         </p:spPr>
@@ -15107,7 +14901,11 @@
           <a:lstStyle/>
           <a:p>
             <a:pPr algn="ctr"/>
-            <a:endParaRPr lang="en-US"/>
+            <a:endParaRPr lang="en-US">
+              <a:solidFill>
+                <a:srgbClr val="000066"/>
+              </a:solidFill>
+            </a:endParaRPr>
           </a:p>
         </p:txBody>
       </p:sp>
@@ -16180,7 +15978,7 @@
                             </p:stCondLst>
                             <p:childTnLst>
                               <p:par>
-                                <p:cTn id="83" presetID="16" presetClass="entr" presetSubtype="21" fill="hold" grpId="0" nodeType="clickEffect">
+                                <p:cTn id="83" presetID="42" presetClass="entr" presetSubtype="0" fill="hold" grpId="0" nodeType="clickEffect">
                                   <p:stCondLst>
                                     <p:cond delay="0"/>
                                   </p:stCondLst>
@@ -16188,129 +15986,6 @@
                                     <p:set>
                                       <p:cBhvr>
                                         <p:cTn id="84" dur="1" fill="hold">
-                                          <p:stCondLst>
-                                            <p:cond delay="0"/>
-                                          </p:stCondLst>
-                                        </p:cTn>
-                                        <p:tgtEl>
-                                          <p:spTgt spid="6"/>
-                                        </p:tgtEl>
-                                        <p:attrNameLst>
-                                          <p:attrName>style.visibility</p:attrName>
-                                        </p:attrNameLst>
-                                      </p:cBhvr>
-                                      <p:to>
-                                        <p:strVal val="visible"/>
-                                      </p:to>
-                                    </p:set>
-                                    <p:animEffect transition="in" filter="barn(inVertical)">
-                                      <p:cBhvr>
-                                        <p:cTn id="85" dur="500"/>
-                                        <p:tgtEl>
-                                          <p:spTgt spid="6"/>
-                                        </p:tgtEl>
-                                      </p:cBhvr>
-                                    </p:animEffect>
-                                  </p:childTnLst>
-                                </p:cTn>
-                              </p:par>
-                              <p:par>
-                                <p:cTn id="86" presetID="16" presetClass="entr" presetSubtype="21" fill="hold" grpId="0" nodeType="withEffect">
-                                  <p:stCondLst>
-                                    <p:cond delay="0"/>
-                                  </p:stCondLst>
-                                  <p:childTnLst>
-                                    <p:set>
-                                      <p:cBhvr>
-                                        <p:cTn id="87" dur="1" fill="hold">
-                                          <p:stCondLst>
-                                            <p:cond delay="0"/>
-                                          </p:stCondLst>
-                                        </p:cTn>
-                                        <p:tgtEl>
-                                          <p:spTgt spid="54"/>
-                                        </p:tgtEl>
-                                        <p:attrNameLst>
-                                          <p:attrName>style.visibility</p:attrName>
-                                        </p:attrNameLst>
-                                      </p:cBhvr>
-                                      <p:to>
-                                        <p:strVal val="visible"/>
-                                      </p:to>
-                                    </p:set>
-                                    <p:animEffect transition="in" filter="barn(inVertical)">
-                                      <p:cBhvr>
-                                        <p:cTn id="88" dur="500"/>
-                                        <p:tgtEl>
-                                          <p:spTgt spid="54"/>
-                                        </p:tgtEl>
-                                      </p:cBhvr>
-                                    </p:animEffect>
-                                  </p:childTnLst>
-                                </p:cTn>
-                              </p:par>
-                              <p:par>
-                                <p:cTn id="89" presetID="16" presetClass="entr" presetSubtype="21" fill="hold" nodeType="withEffect">
-                                  <p:stCondLst>
-                                    <p:cond delay="0"/>
-                                  </p:stCondLst>
-                                  <p:childTnLst>
-                                    <p:set>
-                                      <p:cBhvr>
-                                        <p:cTn id="90" dur="1" fill="hold">
-                                          <p:stCondLst>
-                                            <p:cond delay="0"/>
-                                          </p:stCondLst>
-                                        </p:cTn>
-                                        <p:tgtEl>
-                                          <p:spTgt spid="40"/>
-                                        </p:tgtEl>
-                                        <p:attrNameLst>
-                                          <p:attrName>style.visibility</p:attrName>
-                                        </p:attrNameLst>
-                                      </p:cBhvr>
-                                      <p:to>
-                                        <p:strVal val="visible"/>
-                                      </p:to>
-                                    </p:set>
-                                    <p:animEffect transition="in" filter="barn(inVertical)">
-                                      <p:cBhvr>
-                                        <p:cTn id="91" dur="500"/>
-                                        <p:tgtEl>
-                                          <p:spTgt spid="40"/>
-                                        </p:tgtEl>
-                                      </p:cBhvr>
-                                    </p:animEffect>
-                                  </p:childTnLst>
-                                </p:cTn>
-                              </p:par>
-                            </p:childTnLst>
-                          </p:cTn>
-                        </p:par>
-                      </p:childTnLst>
-                    </p:cTn>
-                  </p:par>
-                  <p:par>
-                    <p:cTn id="92" fill="hold">
-                      <p:stCondLst>
-                        <p:cond delay="indefinite"/>
-                      </p:stCondLst>
-                      <p:childTnLst>
-                        <p:par>
-                          <p:cTn id="93" fill="hold">
-                            <p:stCondLst>
-                              <p:cond delay="0"/>
-                            </p:stCondLst>
-                            <p:childTnLst>
-                              <p:par>
-                                <p:cTn id="94" presetID="42" presetClass="entr" presetSubtype="0" fill="hold" grpId="0" nodeType="clickEffect">
-                                  <p:stCondLst>
-                                    <p:cond delay="0"/>
-                                  </p:stCondLst>
-                                  <p:childTnLst>
-                                    <p:set>
-                                      <p:cBhvr>
-                                        <p:cTn id="95" dur="1" fill="hold">
                                           <p:stCondLst>
                                             <p:cond delay="0"/>
                                           </p:stCondLst>
@@ -16328,7 +16003,7 @@
                                     </p:set>
                                     <p:animEffect transition="in" filter="fade">
                                       <p:cBhvr>
-                                        <p:cTn id="96" dur="1000"/>
+                                        <p:cTn id="85" dur="1000"/>
                                         <p:tgtEl>
                                           <p:spTgt spid="44"/>
                                         </p:tgtEl>
@@ -16336,7 +16011,7 @@
                                     </p:animEffect>
                                     <p:anim calcmode="lin" valueType="num">
                                       <p:cBhvr>
-                                        <p:cTn id="97" dur="1000" fill="hold"/>
+                                        <p:cTn id="86" dur="1000" fill="hold"/>
                                         <p:tgtEl>
                                           <p:spTgt spid="44"/>
                                         </p:tgtEl>
@@ -16359,7 +16034,7 @@
                                     </p:anim>
                                     <p:anim calcmode="lin" valueType="num">
                                       <p:cBhvr>
-                                        <p:cTn id="98" dur="1000" fill="hold"/>
+                                        <p:cTn id="87" dur="1000" fill="hold"/>
                                         <p:tgtEl>
                                           <p:spTgt spid="44"/>
                                         </p:tgtEl>
@@ -16380,6 +16055,228 @@
                                         </p:tav>
                                       </p:tavLst>
                                     </p:anim>
+                                  </p:childTnLst>
+                                </p:cTn>
+                              </p:par>
+                              <p:par>
+                                <p:cTn id="88" presetID="16" presetClass="entr" presetSubtype="21" fill="hold" nodeType="withEffect">
+                                  <p:stCondLst>
+                                    <p:cond delay="0"/>
+                                  </p:stCondLst>
+                                  <p:childTnLst>
+                                    <p:set>
+                                      <p:cBhvr>
+                                        <p:cTn id="89" dur="1" fill="hold">
+                                          <p:stCondLst>
+                                            <p:cond delay="0"/>
+                                          </p:stCondLst>
+                                        </p:cTn>
+                                        <p:tgtEl>
+                                          <p:spTgt spid="22"/>
+                                        </p:tgtEl>
+                                        <p:attrNameLst>
+                                          <p:attrName>style.visibility</p:attrName>
+                                        </p:attrNameLst>
+                                      </p:cBhvr>
+                                      <p:to>
+                                        <p:strVal val="visible"/>
+                                      </p:to>
+                                    </p:set>
+                                    <p:animEffect transition="in" filter="barn(inVertical)">
+                                      <p:cBhvr>
+                                        <p:cTn id="90" dur="500"/>
+                                        <p:tgtEl>
+                                          <p:spTgt spid="22"/>
+                                        </p:tgtEl>
+                                      </p:cBhvr>
+                                    </p:animEffect>
+                                  </p:childTnLst>
+                                </p:cTn>
+                              </p:par>
+                              <p:par>
+                                <p:cTn id="91" presetID="16" presetClass="entr" presetSubtype="21" fill="hold" grpId="0" nodeType="withEffect">
+                                  <p:stCondLst>
+                                    <p:cond delay="0"/>
+                                  </p:stCondLst>
+                                  <p:childTnLst>
+                                    <p:set>
+                                      <p:cBhvr>
+                                        <p:cTn id="92" dur="1" fill="hold">
+                                          <p:stCondLst>
+                                            <p:cond delay="0"/>
+                                          </p:stCondLst>
+                                        </p:cTn>
+                                        <p:tgtEl>
+                                          <p:spTgt spid="23"/>
+                                        </p:tgtEl>
+                                        <p:attrNameLst>
+                                          <p:attrName>style.visibility</p:attrName>
+                                        </p:attrNameLst>
+                                      </p:cBhvr>
+                                      <p:to>
+                                        <p:strVal val="visible"/>
+                                      </p:to>
+                                    </p:set>
+                                    <p:animEffect transition="in" filter="barn(inVertical)">
+                                      <p:cBhvr>
+                                        <p:cTn id="93" dur="500"/>
+                                        <p:tgtEl>
+                                          <p:spTgt spid="23"/>
+                                        </p:tgtEl>
+                                      </p:cBhvr>
+                                    </p:animEffect>
+                                  </p:childTnLst>
+                                </p:cTn>
+                              </p:par>
+                            </p:childTnLst>
+                          </p:cTn>
+                        </p:par>
+                      </p:childTnLst>
+                    </p:cTn>
+                  </p:par>
+                  <p:par>
+                    <p:cTn id="94" fill="hold">
+                      <p:stCondLst>
+                        <p:cond delay="indefinite"/>
+                      </p:stCondLst>
+                      <p:childTnLst>
+                        <p:par>
+                          <p:cTn id="95" fill="hold">
+                            <p:stCondLst>
+                              <p:cond delay="0"/>
+                            </p:stCondLst>
+                            <p:childTnLst>
+                              <p:par>
+                                <p:cTn id="96" presetID="42" presetClass="entr" presetSubtype="0" fill="hold" grpId="0" nodeType="clickEffect">
+                                  <p:stCondLst>
+                                    <p:cond delay="0"/>
+                                  </p:stCondLst>
+                                  <p:childTnLst>
+                                    <p:set>
+                                      <p:cBhvr>
+                                        <p:cTn id="97" dur="1" fill="hold">
+                                          <p:stCondLst>
+                                            <p:cond delay="0"/>
+                                          </p:stCondLst>
+                                        </p:cTn>
+                                        <p:tgtEl>
+                                          <p:spTgt spid="24"/>
+                                        </p:tgtEl>
+                                        <p:attrNameLst>
+                                          <p:attrName>style.visibility</p:attrName>
+                                        </p:attrNameLst>
+                                      </p:cBhvr>
+                                      <p:to>
+                                        <p:strVal val="visible"/>
+                                      </p:to>
+                                    </p:set>
+                                    <p:animEffect transition="in" filter="fade">
+                                      <p:cBhvr>
+                                        <p:cTn id="98" dur="1000"/>
+                                        <p:tgtEl>
+                                          <p:spTgt spid="24"/>
+                                        </p:tgtEl>
+                                      </p:cBhvr>
+                                    </p:animEffect>
+                                    <p:anim calcmode="lin" valueType="num">
+                                      <p:cBhvr>
+                                        <p:cTn id="99" dur="1000" fill="hold"/>
+                                        <p:tgtEl>
+                                          <p:spTgt spid="24"/>
+                                        </p:tgtEl>
+                                        <p:attrNameLst>
+                                          <p:attrName>ppt_x</p:attrName>
+                                        </p:attrNameLst>
+                                      </p:cBhvr>
+                                      <p:tavLst>
+                                        <p:tav tm="0">
+                                          <p:val>
+                                            <p:strVal val="#ppt_x"/>
+                                          </p:val>
+                                        </p:tav>
+                                        <p:tav tm="100000">
+                                          <p:val>
+                                            <p:strVal val="#ppt_x"/>
+                                          </p:val>
+                                        </p:tav>
+                                      </p:tavLst>
+                                    </p:anim>
+                                    <p:anim calcmode="lin" valueType="num">
+                                      <p:cBhvr>
+                                        <p:cTn id="100" dur="1000" fill="hold"/>
+                                        <p:tgtEl>
+                                          <p:spTgt spid="24"/>
+                                        </p:tgtEl>
+                                        <p:attrNameLst>
+                                          <p:attrName>ppt_y</p:attrName>
+                                        </p:attrNameLst>
+                                      </p:cBhvr>
+                                      <p:tavLst>
+                                        <p:tav tm="0">
+                                          <p:val>
+                                            <p:strVal val="#ppt_y+.1"/>
+                                          </p:val>
+                                        </p:tav>
+                                        <p:tav tm="100000">
+                                          <p:val>
+                                            <p:strVal val="#ppt_y"/>
+                                          </p:val>
+                                        </p:tav>
+                                      </p:tavLst>
+                                    </p:anim>
+                                  </p:childTnLst>
+                                </p:cTn>
+                              </p:par>
+                            </p:childTnLst>
+                          </p:cTn>
+                        </p:par>
+                      </p:childTnLst>
+                    </p:cTn>
+                  </p:par>
+                  <p:par>
+                    <p:cTn id="101" fill="hold">
+                      <p:stCondLst>
+                        <p:cond delay="indefinite"/>
+                      </p:stCondLst>
+                      <p:childTnLst>
+                        <p:par>
+                          <p:cTn id="102" fill="hold">
+                            <p:stCondLst>
+                              <p:cond delay="0"/>
+                            </p:stCondLst>
+                            <p:childTnLst>
+                              <p:par>
+                                <p:cTn id="103" presetID="16" presetClass="entr" presetSubtype="21" fill="hold" grpId="0" nodeType="clickEffect">
+                                  <p:stCondLst>
+                                    <p:cond delay="0"/>
+                                  </p:stCondLst>
+                                  <p:childTnLst>
+                                    <p:set>
+                                      <p:cBhvr>
+                                        <p:cTn id="104" dur="1" fill="hold">
+                                          <p:stCondLst>
+                                            <p:cond delay="0"/>
+                                          </p:stCondLst>
+                                        </p:cTn>
+                                        <p:tgtEl>
+                                          <p:spTgt spid="25"/>
+                                        </p:tgtEl>
+                                        <p:attrNameLst>
+                                          <p:attrName>style.visibility</p:attrName>
+                                        </p:attrNameLst>
+                                      </p:cBhvr>
+                                      <p:to>
+                                        <p:strVal val="visible"/>
+                                      </p:to>
+                                    </p:set>
+                                    <p:animEffect transition="in" filter="barn(inVertical)">
+                                      <p:cBhvr>
+                                        <p:cTn id="105" dur="500"/>
+                                        <p:tgtEl>
+                                          <p:spTgt spid="25"/>
+                                        </p:tgtEl>
+                                      </p:cBhvr>
+                                    </p:animEffect>
                                   </p:childTnLst>
                                 </p:cTn>
                               </p:par>
@@ -16422,9 +16319,10 @@
       <p:bldP spid="45" grpId="0" animBg="1"/>
       <p:bldP spid="46" grpId="0" animBg="1"/>
       <p:bldP spid="5" grpId="0"/>
-      <p:bldP spid="6" grpId="0"/>
       <p:bldP spid="53" grpId="0"/>
-      <p:bldP spid="54" grpId="0" animBg="1"/>
+      <p:bldP spid="23" grpId="0"/>
+      <p:bldP spid="24" grpId="0" animBg="1"/>
+      <p:bldP spid="25" grpId="0" animBg="1"/>
     </p:bldLst>
   </p:timing>
 </p:sld>
@@ -22637,11 +22535,7 @@
             </a:r>
             <a:r>
               <a:rPr lang="en-US" sz="2400" b="0" dirty="0" smtClean="0"/>
-              <a:t>,..</a:t>
-            </a:r>
-            <a:r>
-              <a:rPr lang="en-US" sz="2400" b="0" dirty="0" smtClean="0"/>
-              <a:t> </a:t>
+              <a:t>,.. </a:t>
             </a:r>
             <a:endParaRPr lang="en-US" sz="2400" b="0" dirty="0"/>
           </a:p>
@@ -26037,17 +25931,8 @@
               <a:rPr lang="en-US" sz="2900" dirty="0" smtClean="0">
                 <a:latin typeface="+mn-lt"/>
               </a:rPr>
-              <a:t> CSDL MySQL, </a:t>
-            </a:r>
-            <a:r>
-              <a:rPr lang="en-US" sz="2900" dirty="0" smtClean="0">
-                <a:latin typeface="+mn-lt"/>
-              </a:rPr>
-              <a:t>Apache Tomcat</a:t>
-            </a:r>
-            <a:endParaRPr lang="en-US" sz="2900" dirty="0" smtClean="0">
-              <a:latin typeface="+mn-lt"/>
-            </a:endParaRPr>
+              <a:t> CSDL MySQL, Apache Tomcat</a:t>
+            </a:r>
           </a:p>
           <a:p>
             <a:pPr lvl="1" algn="just">

--- a/docs/resources/Presentation.pptx
+++ b/docs/resources/Presentation.pptx
@@ -5,7 +5,7 @@
     <p:sldMasterId id="2147483648" r:id="rId1"/>
   </p:sldMasterIdLst>
   <p:notesMasterIdLst>
-    <p:notesMasterId r:id="rId33"/>
+    <p:notesMasterId r:id="rId35"/>
   </p:notesMasterIdLst>
   <p:sldIdLst>
     <p:sldId id="256" r:id="rId2"/>
@@ -20,25 +20,27 @@
     <p:sldId id="370" r:id="rId11"/>
     <p:sldId id="371" r:id="rId12"/>
     <p:sldId id="372" r:id="rId13"/>
-    <p:sldId id="273" r:id="rId14"/>
-    <p:sldId id="350" r:id="rId15"/>
-    <p:sldId id="344" r:id="rId16"/>
-    <p:sldId id="359" r:id="rId17"/>
-    <p:sldId id="275" r:id="rId18"/>
-    <p:sldId id="352" r:id="rId19"/>
-    <p:sldId id="356" r:id="rId20"/>
-    <p:sldId id="357" r:id="rId21"/>
-    <p:sldId id="361" r:id="rId22"/>
-    <p:sldId id="365" r:id="rId23"/>
-    <p:sldId id="362" r:id="rId24"/>
-    <p:sldId id="367" r:id="rId25"/>
-    <p:sldId id="354" r:id="rId26"/>
-    <p:sldId id="290" r:id="rId27"/>
-    <p:sldId id="291" r:id="rId28"/>
-    <p:sldId id="340" r:id="rId29"/>
-    <p:sldId id="292" r:id="rId30"/>
-    <p:sldId id="366" r:id="rId31"/>
-    <p:sldId id="262" r:id="rId32"/>
+    <p:sldId id="373" r:id="rId14"/>
+    <p:sldId id="374" r:id="rId15"/>
+    <p:sldId id="273" r:id="rId16"/>
+    <p:sldId id="350" r:id="rId17"/>
+    <p:sldId id="344" r:id="rId18"/>
+    <p:sldId id="359" r:id="rId19"/>
+    <p:sldId id="275" r:id="rId20"/>
+    <p:sldId id="352" r:id="rId21"/>
+    <p:sldId id="356" r:id="rId22"/>
+    <p:sldId id="357" r:id="rId23"/>
+    <p:sldId id="361" r:id="rId24"/>
+    <p:sldId id="365" r:id="rId25"/>
+    <p:sldId id="362" r:id="rId26"/>
+    <p:sldId id="367" r:id="rId27"/>
+    <p:sldId id="354" r:id="rId28"/>
+    <p:sldId id="290" r:id="rId29"/>
+    <p:sldId id="291" r:id="rId30"/>
+    <p:sldId id="340" r:id="rId31"/>
+    <p:sldId id="292" r:id="rId32"/>
+    <p:sldId id="366" r:id="rId33"/>
+    <p:sldId id="262" r:id="rId34"/>
   </p:sldIdLst>
   <p:sldSz cx="9144000" cy="6858000" type="screen4x3"/>
   <p:notesSz cx="6858000" cy="9144000"/>
@@ -975,7 +977,7 @@
           <a:p>
             <a:fld id="{AB5E797F-F015-4070-9F9C-4517C09B7E92}" type="slidenum">
               <a:rPr lang="en-US" smtClean="0"/>
-              <a:t>14</a:t>
+              <a:t>16</a:t>
             </a:fld>
             <a:endParaRPr lang="en-US"/>
           </a:p>
@@ -1208,7 +1210,7 @@
           <a:p>
             <a:fld id="{AB5E797F-F015-4070-9F9C-4517C09B7E92}" type="slidenum">
               <a:rPr lang="en-US" smtClean="0"/>
-              <a:t>15</a:t>
+              <a:t>17</a:t>
             </a:fld>
             <a:endParaRPr lang="en-US"/>
           </a:p>
@@ -1330,7 +1332,7 @@
           <a:p>
             <a:fld id="{AB5E797F-F015-4070-9F9C-4517C09B7E92}" type="slidenum">
               <a:rPr lang="en-US" smtClean="0"/>
-              <a:t>16</a:t>
+              <a:t>18</a:t>
             </a:fld>
             <a:endParaRPr lang="en-US"/>
           </a:p>
@@ -1487,7 +1489,7 @@
           <a:p>
             <a:fld id="{AB5E797F-F015-4070-9F9C-4517C09B7E92}" type="slidenum">
               <a:rPr lang="en-US" smtClean="0"/>
-              <a:t>17</a:t>
+              <a:t>19</a:t>
             </a:fld>
             <a:endParaRPr lang="en-US"/>
           </a:p>
@@ -1626,7 +1628,7 @@
           <a:p>
             <a:fld id="{AB5E797F-F015-4070-9F9C-4517C09B7E92}" type="slidenum">
               <a:rPr lang="en-US" smtClean="0"/>
-              <a:t>18</a:t>
+              <a:t>20</a:t>
             </a:fld>
             <a:endParaRPr lang="en-US"/>
           </a:p>
@@ -1760,7 +1762,7 @@
           <a:p>
             <a:fld id="{AB5E797F-F015-4070-9F9C-4517C09B7E92}" type="slidenum">
               <a:rPr lang="en-US" smtClean="0"/>
-              <a:t>19</a:t>
+              <a:t>21</a:t>
             </a:fld>
             <a:endParaRPr lang="en-US"/>
           </a:p>
@@ -1866,7 +1868,7 @@
           <a:p>
             <a:fld id="{AB5E797F-F015-4070-9F9C-4517C09B7E92}" type="slidenum">
               <a:rPr lang="en-US" smtClean="0"/>
-              <a:t>20</a:t>
+              <a:t>22</a:t>
             </a:fld>
             <a:endParaRPr lang="en-US"/>
           </a:p>
@@ -2038,7 +2040,7 @@
           <a:p>
             <a:fld id="{AB5E797F-F015-4070-9F9C-4517C09B7E92}" type="slidenum">
               <a:rPr lang="en-US" smtClean="0"/>
-              <a:t>21</a:t>
+              <a:t>23</a:t>
             </a:fld>
             <a:endParaRPr lang="en-US"/>
           </a:p>
@@ -2142,7 +2144,7 @@
           <a:p>
             <a:fld id="{AB5E797F-F015-4070-9F9C-4517C09B7E92}" type="slidenum">
               <a:rPr lang="en-US" smtClean="0"/>
-              <a:t>23</a:t>
+              <a:t>25</a:t>
             </a:fld>
             <a:endParaRPr lang="en-US"/>
           </a:p>
@@ -2246,7 +2248,7 @@
           <a:p>
             <a:fld id="{AB5E797F-F015-4070-9F9C-4517C09B7E92}" type="slidenum">
               <a:rPr lang="en-US" smtClean="0"/>
-              <a:t>24</a:t>
+              <a:t>26</a:t>
             </a:fld>
             <a:endParaRPr lang="en-US"/>
           </a:p>
@@ -2684,7 +2686,7 @@
           <a:p>
             <a:fld id="{AB5E797F-F015-4070-9F9C-4517C09B7E92}" type="slidenum">
               <a:rPr lang="en-US" smtClean="0"/>
-              <a:t>25</a:t>
+              <a:t>27</a:t>
             </a:fld>
             <a:endParaRPr lang="en-US"/>
           </a:p>
@@ -2768,7 +2770,7 @@
           <a:p>
             <a:fld id="{AB5E797F-F015-4070-9F9C-4517C09B7E92}" type="slidenum">
               <a:rPr lang="en-US" smtClean="0"/>
-              <a:t>31</a:t>
+              <a:t>33</a:t>
             </a:fld>
             <a:endParaRPr lang="en-US"/>
           </a:p>
@@ -11665,7 +11667,7 @@
           <a:p>
             <a:fld id="{AB5E797F-F015-4070-9F9C-4517C09B7E92}" type="slidenum">
               <a:rPr lang="en-US" smtClean="0"/>
-              <a:t>13</a:t>
+              <a:t>15</a:t>
             </a:fld>
             <a:endParaRPr lang="en-US"/>
           </a:p>
@@ -13948,6 +13950,76 @@
           </a:p>
         </p:txBody>
       </p:sp>
+      <p:pic>
+        <p:nvPicPr>
+          <p:cNvPr id="6" name="Picture 5" descr="https://fiverr-res.cloudinary.com/images/t_main1,q_auto,f_auto/gigs/104961974/original/115a26d1dd15eb9dc31b93fc1032b8ce9c1d3e3c/develop-web-services-from-spring-framework.png">
+            <a:extLst>
+              <a:ext uri="{FF2B5EF4-FFF2-40B4-BE49-F238E27FC236}">
+                <a16:creationId xmlns:a16="http://schemas.microsoft.com/office/drawing/2014/main" id="{7524BF7D-FF1E-43DD-9476-212C7AD0E872}"/>
+              </a:ext>
+            </a:extLst>
+          </p:cNvPr>
+          <p:cNvPicPr>
+            <a:picLocks noChangeAspect="1" noChangeArrowheads="1"/>
+          </p:cNvPicPr>
+          <p:nvPr/>
+        </p:nvPicPr>
+        <p:blipFill>
+          <a:blip r:embed="rId3" cstate="print">
+            <a:extLst>
+              <a:ext uri="{28A0092B-C50C-407E-A947-70E740481C1C}">
+                <a14:useLocalDpi xmlns:a14="http://schemas.microsoft.com/office/drawing/2010/main" val="0"/>
+              </a:ext>
+            </a:extLst>
+          </a:blip>
+          <a:srcRect/>
+          <a:stretch>
+            <a:fillRect/>
+          </a:stretch>
+        </p:blipFill>
+        <p:spPr bwMode="auto">
+          <a:xfrm>
+            <a:off x="6111765" y="194038"/>
+            <a:ext cx="1367131" cy="944563"/>
+          </a:xfrm>
+          <a:prstGeom prst="rect">
+            <a:avLst/>
+          </a:prstGeom>
+          <a:noFill/>
+          <a:ln>
+            <a:noFill/>
+          </a:ln>
+          <a:effectLst/>
+          <a:extLst>
+            <a:ext uri="{909E8E84-426E-40DD-AFC4-6F175D3DCCD1}">
+              <a14:hiddenFill xmlns:a14="http://schemas.microsoft.com/office/drawing/2010/main">
+                <a:solidFill>
+                  <a:srgbClr val="FFFFFF"/>
+                </a:solidFill>
+              </a14:hiddenFill>
+            </a:ext>
+            <a:ext uri="{91240B29-F687-4F45-9708-019B960494DF}">
+              <a14:hiddenLine xmlns:a14="http://schemas.microsoft.com/office/drawing/2010/main" w="9525">
+                <a:solidFill>
+                  <a:schemeClr val="tx1"/>
+                </a:solidFill>
+                <a:miter lim="800000"/>
+                <a:headEnd/>
+                <a:tailEnd/>
+              </a14:hiddenLine>
+            </a:ext>
+            <a:ext uri="{AF507438-7753-43E0-B8FC-AC1667EBCBE1}">
+              <a14:hiddenEffects xmlns:a14="http://schemas.microsoft.com/office/drawing/2010/main">
+                <a:effectLst>
+                  <a:outerShdw dist="35921" dir="2700000" algn="ctr" rotWithShape="0">
+                    <a:schemeClr val="bg2"/>
+                  </a:outerShdw>
+                </a:effectLst>
+              </a14:hiddenEffects>
+            </a:ext>
+          </a:extLst>
+        </p:spPr>
+      </p:pic>
     </p:spTree>
     <p:extLst>
       <p:ext uri="{BB962C8B-B14F-4D97-AF65-F5344CB8AC3E}">
@@ -14245,6 +14317,76 @@
           </a:p>
         </p:txBody>
       </p:sp>
+      <p:pic>
+        <p:nvPicPr>
+          <p:cNvPr id="6" name="Picture 5" descr="https://fiverr-res.cloudinary.com/images/t_main1,q_auto,f_auto/gigs/104961974/original/115a26d1dd15eb9dc31b93fc1032b8ce9c1d3e3c/develop-web-services-from-spring-framework.png">
+            <a:extLst>
+              <a:ext uri="{FF2B5EF4-FFF2-40B4-BE49-F238E27FC236}">
+                <a16:creationId xmlns:a16="http://schemas.microsoft.com/office/drawing/2014/main" id="{0B9C41C5-A556-492C-BA36-7DEACA97E61A}"/>
+              </a:ext>
+            </a:extLst>
+          </p:cNvPr>
+          <p:cNvPicPr>
+            <a:picLocks noChangeAspect="1" noChangeArrowheads="1"/>
+          </p:cNvPicPr>
+          <p:nvPr/>
+        </p:nvPicPr>
+        <p:blipFill>
+          <a:blip r:embed="rId3" cstate="print">
+            <a:extLst>
+              <a:ext uri="{28A0092B-C50C-407E-A947-70E740481C1C}">
+                <a14:useLocalDpi xmlns:a14="http://schemas.microsoft.com/office/drawing/2010/main" val="0"/>
+              </a:ext>
+            </a:extLst>
+          </a:blip>
+          <a:srcRect/>
+          <a:stretch>
+            <a:fillRect/>
+          </a:stretch>
+        </p:blipFill>
+        <p:spPr bwMode="auto">
+          <a:xfrm>
+            <a:off x="6111765" y="194038"/>
+            <a:ext cx="1367131" cy="944563"/>
+          </a:xfrm>
+          <a:prstGeom prst="rect">
+            <a:avLst/>
+          </a:prstGeom>
+          <a:noFill/>
+          <a:ln>
+            <a:noFill/>
+          </a:ln>
+          <a:effectLst/>
+          <a:extLst>
+            <a:ext uri="{909E8E84-426E-40DD-AFC4-6F175D3DCCD1}">
+              <a14:hiddenFill xmlns:a14="http://schemas.microsoft.com/office/drawing/2010/main">
+                <a:solidFill>
+                  <a:srgbClr val="FFFFFF"/>
+                </a:solidFill>
+              </a14:hiddenFill>
+            </a:ext>
+            <a:ext uri="{91240B29-F687-4F45-9708-019B960494DF}">
+              <a14:hiddenLine xmlns:a14="http://schemas.microsoft.com/office/drawing/2010/main" w="9525">
+                <a:solidFill>
+                  <a:schemeClr val="tx1"/>
+                </a:solidFill>
+                <a:miter lim="800000"/>
+                <a:headEnd/>
+                <a:tailEnd/>
+              </a14:hiddenLine>
+            </a:ext>
+            <a:ext uri="{AF507438-7753-43E0-B8FC-AC1667EBCBE1}">
+              <a14:hiddenEffects xmlns:a14="http://schemas.microsoft.com/office/drawing/2010/main">
+                <a:effectLst>
+                  <a:outerShdw dist="35921" dir="2700000" algn="ctr" rotWithShape="0">
+                    <a:schemeClr val="bg2"/>
+                  </a:outerShdw>
+                </a:effectLst>
+              </a14:hiddenEffects>
+            </a:ext>
+          </a:extLst>
+        </p:spPr>
+      </p:pic>
     </p:spTree>
     <p:extLst>
       <p:ext uri="{BB962C8B-B14F-4D97-AF65-F5344CB8AC3E}">
@@ -14542,6 +14684,76 @@
           </a:p>
         </p:txBody>
       </p:sp>
+      <p:pic>
+        <p:nvPicPr>
+          <p:cNvPr id="6" name="Picture 5" descr="https://fiverr-res.cloudinary.com/images/t_main1,q_auto,f_auto/gigs/104961974/original/115a26d1dd15eb9dc31b93fc1032b8ce9c1d3e3c/develop-web-services-from-spring-framework.png">
+            <a:extLst>
+              <a:ext uri="{FF2B5EF4-FFF2-40B4-BE49-F238E27FC236}">
+                <a16:creationId xmlns:a16="http://schemas.microsoft.com/office/drawing/2014/main" id="{0DED5550-0E21-438E-8037-C6EE60C9CD7E}"/>
+              </a:ext>
+            </a:extLst>
+          </p:cNvPr>
+          <p:cNvPicPr>
+            <a:picLocks noChangeAspect="1" noChangeArrowheads="1"/>
+          </p:cNvPicPr>
+          <p:nvPr/>
+        </p:nvPicPr>
+        <p:blipFill>
+          <a:blip r:embed="rId3" cstate="print">
+            <a:extLst>
+              <a:ext uri="{28A0092B-C50C-407E-A947-70E740481C1C}">
+                <a14:useLocalDpi xmlns:a14="http://schemas.microsoft.com/office/drawing/2010/main" val="0"/>
+              </a:ext>
+            </a:extLst>
+          </a:blip>
+          <a:srcRect/>
+          <a:stretch>
+            <a:fillRect/>
+          </a:stretch>
+        </p:blipFill>
+        <p:spPr bwMode="auto">
+          <a:xfrm>
+            <a:off x="6111765" y="194038"/>
+            <a:ext cx="1367131" cy="944563"/>
+          </a:xfrm>
+          <a:prstGeom prst="rect">
+            <a:avLst/>
+          </a:prstGeom>
+          <a:noFill/>
+          <a:ln>
+            <a:noFill/>
+          </a:ln>
+          <a:effectLst/>
+          <a:extLst>
+            <a:ext uri="{909E8E84-426E-40DD-AFC4-6F175D3DCCD1}">
+              <a14:hiddenFill xmlns:a14="http://schemas.microsoft.com/office/drawing/2010/main">
+                <a:solidFill>
+                  <a:srgbClr val="FFFFFF"/>
+                </a:solidFill>
+              </a14:hiddenFill>
+            </a:ext>
+            <a:ext uri="{91240B29-F687-4F45-9708-019B960494DF}">
+              <a14:hiddenLine xmlns:a14="http://schemas.microsoft.com/office/drawing/2010/main" w="9525">
+                <a:solidFill>
+                  <a:schemeClr val="tx1"/>
+                </a:solidFill>
+                <a:miter lim="800000"/>
+                <a:headEnd/>
+                <a:tailEnd/>
+              </a14:hiddenLine>
+            </a:ext>
+            <a:ext uri="{AF507438-7753-43E0-B8FC-AC1667EBCBE1}">
+              <a14:hiddenEffects xmlns:a14="http://schemas.microsoft.com/office/drawing/2010/main">
+                <a:effectLst>
+                  <a:outerShdw dist="35921" dir="2700000" algn="ctr" rotWithShape="0">
+                    <a:schemeClr val="bg2"/>
+                  </a:outerShdw>
+                </a:effectLst>
+              </a14:hiddenEffects>
+            </a:ext>
+          </a:extLst>
+        </p:spPr>
+      </p:pic>
     </p:spTree>
     <p:extLst>
       <p:ext uri="{BB962C8B-B14F-4D97-AF65-F5344CB8AC3E}">
@@ -14574,6 +14786,700 @@
       </p:grpSpPr>
       <p:sp>
         <p:nvSpPr>
+          <p:cNvPr id="4" name="Slide Number Placeholder 3">
+            <a:extLst>
+              <a:ext uri="{FF2B5EF4-FFF2-40B4-BE49-F238E27FC236}">
+                <a16:creationId xmlns:a16="http://schemas.microsoft.com/office/drawing/2014/main" id="{90A6A69C-06E5-4E90-A9F6-5F06200FD1A6}"/>
+              </a:ext>
+            </a:extLst>
+          </p:cNvPr>
+          <p:cNvSpPr>
+            <a:spLocks noGrp="1"/>
+          </p:cNvSpPr>
+          <p:nvPr>
+            <p:ph type="sldNum" sz="quarter" idx="12"/>
+          </p:nvPr>
+        </p:nvSpPr>
+        <p:spPr/>
+        <p:txBody>
+          <a:bodyPr/>
+          <a:lstStyle/>
+          <a:p>
+            <a:pPr>
+              <a:defRPr/>
+            </a:pPr>
+            <a:fld id="{20CDDA0F-6228-4D21-A34F-D991946E76B9}" type="slidenum">
+              <a:rPr lang="en-US" altLang="en-US" smtClean="0"/>
+              <a:pPr>
+                <a:defRPr/>
+              </a:pPr>
+              <a:t>13</a:t>
+            </a:fld>
+            <a:endParaRPr lang="en-US" altLang="en-US"/>
+          </a:p>
+        </p:txBody>
+      </p:sp>
+      <p:sp>
+        <p:nvSpPr>
+          <p:cNvPr id="5" name="Title 1">
+            <a:extLst>
+              <a:ext uri="{FF2B5EF4-FFF2-40B4-BE49-F238E27FC236}">
+                <a16:creationId xmlns:a16="http://schemas.microsoft.com/office/drawing/2014/main" id="{6A366801-5264-4A38-A8E2-5AFF3EDC0B10}"/>
+              </a:ext>
+            </a:extLst>
+          </p:cNvPr>
+          <p:cNvSpPr txBox="1">
+            <a:spLocks/>
+          </p:cNvSpPr>
+          <p:nvPr/>
+        </p:nvSpPr>
+        <p:spPr bwMode="auto">
+          <a:xfrm>
+            <a:off x="1905000" y="434975"/>
+            <a:ext cx="7086600" cy="944563"/>
+          </a:xfrm>
+          <a:prstGeom prst="rect">
+            <a:avLst/>
+          </a:prstGeom>
+          <a:noFill/>
+          <a:ln>
+            <a:noFill/>
+          </a:ln>
+          <a:effectLst/>
+          <a:extLst>
+            <a:ext uri="{909E8E84-426E-40DD-AFC4-6F175D3DCCD1}">
+              <a14:hiddenFill xmlns:a14="http://schemas.microsoft.com/office/drawing/2010/main">
+                <a:solidFill>
+                  <a:schemeClr val="accent1"/>
+                </a:solidFill>
+              </a14:hiddenFill>
+            </a:ext>
+            <a:ext uri="{91240B29-F687-4F45-9708-019B960494DF}">
+              <a14:hiddenLine xmlns:a14="http://schemas.microsoft.com/office/drawing/2010/main" w="9525">
+                <a:solidFill>
+                  <a:schemeClr val="tx1"/>
+                </a:solidFill>
+                <a:miter lim="800000"/>
+                <a:headEnd/>
+                <a:tailEnd/>
+              </a14:hiddenLine>
+            </a:ext>
+            <a:ext uri="{AF507438-7753-43E0-B8FC-AC1667EBCBE1}">
+              <a14:hiddenEffects xmlns:a14="http://schemas.microsoft.com/office/drawing/2010/main">
+                <a:effectLst>
+                  <a:outerShdw dist="35921" dir="2700000" algn="ctr" rotWithShape="0">
+                    <a:schemeClr val="bg2"/>
+                  </a:outerShdw>
+                </a:effectLst>
+              </a14:hiddenEffects>
+            </a:ext>
+          </a:extLst>
+        </p:spPr>
+        <p:txBody>
+          <a:bodyPr vert="horz" wrap="square" lIns="91440" tIns="45720" rIns="91440" bIns="45720" numCol="1" anchor="ctr" anchorCtr="0" compatLnSpc="1">
+            <a:prstTxWarp prst="textNoShape">
+              <a:avLst/>
+            </a:prstTxWarp>
+          </a:bodyPr>
+          <a:lstStyle>
+            <a:lvl1pPr algn="l" rtl="0" eaLnBrk="0" fontAlgn="base" hangingPunct="0">
+              <a:spcBef>
+                <a:spcPct val="0"/>
+              </a:spcBef>
+              <a:spcAft>
+                <a:spcPct val="0"/>
+              </a:spcAft>
+              <a:defRPr sz="3200" b="1" kern="1200">
+                <a:solidFill>
+                  <a:srgbClr val="996633"/>
+                </a:solidFill>
+                <a:latin typeface="+mj-lt"/>
+                <a:ea typeface="+mj-ea"/>
+                <a:cs typeface="+mj-cs"/>
+              </a:defRPr>
+            </a:lvl1pPr>
+            <a:lvl2pPr algn="l" rtl="0" eaLnBrk="0" fontAlgn="base" hangingPunct="0">
+              <a:spcBef>
+                <a:spcPct val="0"/>
+              </a:spcBef>
+              <a:spcAft>
+                <a:spcPct val="0"/>
+              </a:spcAft>
+              <a:defRPr sz="3200" b="1">
+                <a:solidFill>
+                  <a:srgbClr val="996633"/>
+                </a:solidFill>
+                <a:latin typeface="Arial" panose="020B0604020202020204" pitchFamily="34" charset="0"/>
+              </a:defRPr>
+            </a:lvl2pPr>
+            <a:lvl3pPr algn="l" rtl="0" eaLnBrk="0" fontAlgn="base" hangingPunct="0">
+              <a:spcBef>
+                <a:spcPct val="0"/>
+              </a:spcBef>
+              <a:spcAft>
+                <a:spcPct val="0"/>
+              </a:spcAft>
+              <a:defRPr sz="3200" b="1">
+                <a:solidFill>
+                  <a:srgbClr val="996633"/>
+                </a:solidFill>
+                <a:latin typeface="Arial" panose="020B0604020202020204" pitchFamily="34" charset="0"/>
+              </a:defRPr>
+            </a:lvl3pPr>
+            <a:lvl4pPr algn="l" rtl="0" eaLnBrk="0" fontAlgn="base" hangingPunct="0">
+              <a:spcBef>
+                <a:spcPct val="0"/>
+              </a:spcBef>
+              <a:spcAft>
+                <a:spcPct val="0"/>
+              </a:spcAft>
+              <a:defRPr sz="3200" b="1">
+                <a:solidFill>
+                  <a:srgbClr val="996633"/>
+                </a:solidFill>
+                <a:latin typeface="Arial" panose="020B0604020202020204" pitchFamily="34" charset="0"/>
+              </a:defRPr>
+            </a:lvl4pPr>
+            <a:lvl5pPr algn="l" rtl="0" eaLnBrk="0" fontAlgn="base" hangingPunct="0">
+              <a:spcBef>
+                <a:spcPct val="0"/>
+              </a:spcBef>
+              <a:spcAft>
+                <a:spcPct val="0"/>
+              </a:spcAft>
+              <a:defRPr sz="3200" b="1">
+                <a:solidFill>
+                  <a:srgbClr val="996633"/>
+                </a:solidFill>
+                <a:latin typeface="Arial" panose="020B0604020202020204" pitchFamily="34" charset="0"/>
+              </a:defRPr>
+            </a:lvl5pPr>
+            <a:lvl6pPr marL="457200" algn="l" rtl="0" fontAlgn="base">
+              <a:spcBef>
+                <a:spcPct val="0"/>
+              </a:spcBef>
+              <a:spcAft>
+                <a:spcPct val="0"/>
+              </a:spcAft>
+              <a:defRPr sz="3200" b="1">
+                <a:solidFill>
+                  <a:srgbClr val="996633"/>
+                </a:solidFill>
+                <a:latin typeface="Arial" panose="020B0604020202020204" pitchFamily="34" charset="0"/>
+              </a:defRPr>
+            </a:lvl6pPr>
+            <a:lvl7pPr marL="914400" algn="l" rtl="0" fontAlgn="base">
+              <a:spcBef>
+                <a:spcPct val="0"/>
+              </a:spcBef>
+              <a:spcAft>
+                <a:spcPct val="0"/>
+              </a:spcAft>
+              <a:defRPr sz="3200" b="1">
+                <a:solidFill>
+                  <a:srgbClr val="996633"/>
+                </a:solidFill>
+                <a:latin typeface="Arial" panose="020B0604020202020204" pitchFamily="34" charset="0"/>
+              </a:defRPr>
+            </a:lvl7pPr>
+            <a:lvl8pPr marL="1371600" algn="l" rtl="0" fontAlgn="base">
+              <a:spcBef>
+                <a:spcPct val="0"/>
+              </a:spcBef>
+              <a:spcAft>
+                <a:spcPct val="0"/>
+              </a:spcAft>
+              <a:defRPr sz="3200" b="1">
+                <a:solidFill>
+                  <a:srgbClr val="996633"/>
+                </a:solidFill>
+                <a:latin typeface="Arial" panose="020B0604020202020204" pitchFamily="34" charset="0"/>
+              </a:defRPr>
+            </a:lvl8pPr>
+            <a:lvl9pPr marL="1828800" algn="l" rtl="0" fontAlgn="base">
+              <a:spcBef>
+                <a:spcPct val="0"/>
+              </a:spcBef>
+              <a:spcAft>
+                <a:spcPct val="0"/>
+              </a:spcAft>
+              <a:defRPr sz="3200" b="1">
+                <a:solidFill>
+                  <a:srgbClr val="996633"/>
+                </a:solidFill>
+                <a:latin typeface="Arial" panose="020B0604020202020204" pitchFamily="34" charset="0"/>
+              </a:defRPr>
+            </a:lvl9pPr>
+          </a:lstStyle>
+          <a:p>
+            <a:r>
+              <a:rPr lang="en-US"/>
+              <a:t>Giải pháp công nghệ</a:t>
+            </a:r>
+          </a:p>
+        </p:txBody>
+      </p:sp>
+      <p:pic>
+        <p:nvPicPr>
+          <p:cNvPr id="8" name="Content Placeholder 7">
+            <a:extLst>
+              <a:ext uri="{FF2B5EF4-FFF2-40B4-BE49-F238E27FC236}">
+                <a16:creationId xmlns:a16="http://schemas.microsoft.com/office/drawing/2014/main" id="{7398AB2A-F5AD-4623-B63A-C55E6E795EB8}"/>
+              </a:ext>
+            </a:extLst>
+          </p:cNvPr>
+          <p:cNvPicPr>
+            <a:picLocks noGrp="1" noChangeAspect="1"/>
+          </p:cNvPicPr>
+          <p:nvPr>
+            <p:ph idx="1"/>
+          </p:nvPr>
+        </p:nvPicPr>
+        <p:blipFill>
+          <a:blip r:embed="rId2">
+            <a:extLst>
+              <a:ext uri="{28A0092B-C50C-407E-A947-70E740481C1C}">
+                <a14:useLocalDpi xmlns:a14="http://schemas.microsoft.com/office/drawing/2010/main" val="0"/>
+              </a:ext>
+            </a:extLst>
+          </a:blip>
+          <a:stretch>
+            <a:fillRect/>
+          </a:stretch>
+        </p:blipFill>
+        <p:spPr>
+          <a:xfrm>
+            <a:off x="719137" y="2831306"/>
+            <a:ext cx="8010525" cy="2295525"/>
+          </a:xfrm>
+        </p:spPr>
+      </p:pic>
+      <p:pic>
+        <p:nvPicPr>
+          <p:cNvPr id="6" name="Picture 10" descr="Image result for heroku png">
+            <a:extLst>
+              <a:ext uri="{FF2B5EF4-FFF2-40B4-BE49-F238E27FC236}">
+                <a16:creationId xmlns:a16="http://schemas.microsoft.com/office/drawing/2014/main" id="{0161DB3C-1717-4FB6-B751-39761D775E6B}"/>
+              </a:ext>
+            </a:extLst>
+          </p:cNvPr>
+          <p:cNvPicPr>
+            <a:picLocks noChangeAspect="1" noChangeArrowheads="1"/>
+          </p:cNvPicPr>
+          <p:nvPr/>
+        </p:nvPicPr>
+        <p:blipFill>
+          <a:blip r:embed="rId3" cstate="print">
+            <a:extLst>
+              <a:ext uri="{28A0092B-C50C-407E-A947-70E740481C1C}">
+                <a14:useLocalDpi xmlns:a14="http://schemas.microsoft.com/office/drawing/2010/main" val="0"/>
+              </a:ext>
+            </a:extLst>
+          </a:blip>
+          <a:srcRect/>
+          <a:stretch>
+            <a:fillRect/>
+          </a:stretch>
+        </p:blipFill>
+        <p:spPr bwMode="auto">
+          <a:xfrm>
+            <a:off x="6061869" y="346869"/>
+            <a:ext cx="719931" cy="719931"/>
+          </a:xfrm>
+          <a:prstGeom prst="rect">
+            <a:avLst/>
+          </a:prstGeom>
+          <a:noFill/>
+          <a:extLst>
+            <a:ext uri="{909E8E84-426E-40DD-AFC4-6F175D3DCCD1}">
+              <a14:hiddenFill xmlns:a14="http://schemas.microsoft.com/office/drawing/2010/main">
+                <a:solidFill>
+                  <a:srgbClr val="FFFFFF"/>
+                </a:solidFill>
+              </a14:hiddenFill>
+            </a:ext>
+          </a:extLst>
+        </p:spPr>
+      </p:pic>
+    </p:spTree>
+    <p:extLst>
+      <p:ext uri="{BB962C8B-B14F-4D97-AF65-F5344CB8AC3E}">
+        <p14:creationId xmlns:p14="http://schemas.microsoft.com/office/powerpoint/2010/main" val="1717153905"/>
+      </p:ext>
+    </p:extLst>
+  </p:cSld>
+  <p:clrMapOvr>
+    <a:masterClrMapping/>
+  </p:clrMapOvr>
+</p:sld>
+</file>
+
+<file path=ppt/slides/slide14.xml><?xml version="1.0" encoding="utf-8"?>
+<p:sld xmlns:a="http://schemas.openxmlformats.org/drawingml/2006/main" xmlns:r="http://schemas.openxmlformats.org/officeDocument/2006/relationships" xmlns:p="http://schemas.openxmlformats.org/presentationml/2006/main">
+  <p:cSld>
+    <p:spTree>
+      <p:nvGrpSpPr>
+        <p:cNvPr id="1" name=""/>
+        <p:cNvGrpSpPr/>
+        <p:nvPr/>
+      </p:nvGrpSpPr>
+      <p:grpSpPr>
+        <a:xfrm>
+          <a:off x="0" y="0"/>
+          <a:ext cx="0" cy="0"/>
+          <a:chOff x="0" y="0"/>
+          <a:chExt cx="0" cy="0"/>
+        </a:xfrm>
+      </p:grpSpPr>
+      <p:sp>
+        <p:nvSpPr>
+          <p:cNvPr id="4" name="Slide Number Placeholder 3">
+            <a:extLst>
+              <a:ext uri="{FF2B5EF4-FFF2-40B4-BE49-F238E27FC236}">
+                <a16:creationId xmlns:a16="http://schemas.microsoft.com/office/drawing/2014/main" id="{90A6A69C-06E5-4E90-A9F6-5F06200FD1A6}"/>
+              </a:ext>
+            </a:extLst>
+          </p:cNvPr>
+          <p:cNvSpPr>
+            <a:spLocks noGrp="1"/>
+          </p:cNvSpPr>
+          <p:nvPr>
+            <p:ph type="sldNum" sz="quarter" idx="12"/>
+          </p:nvPr>
+        </p:nvSpPr>
+        <p:spPr/>
+        <p:txBody>
+          <a:bodyPr/>
+          <a:lstStyle/>
+          <a:p>
+            <a:pPr>
+              <a:defRPr/>
+            </a:pPr>
+            <a:fld id="{20CDDA0F-6228-4D21-A34F-D991946E76B9}" type="slidenum">
+              <a:rPr lang="en-US" altLang="en-US" smtClean="0"/>
+              <a:pPr>
+                <a:defRPr/>
+              </a:pPr>
+              <a:t>14</a:t>
+            </a:fld>
+            <a:endParaRPr lang="en-US" altLang="en-US"/>
+          </a:p>
+        </p:txBody>
+      </p:sp>
+      <p:sp>
+        <p:nvSpPr>
+          <p:cNvPr id="5" name="Title 1">
+            <a:extLst>
+              <a:ext uri="{FF2B5EF4-FFF2-40B4-BE49-F238E27FC236}">
+                <a16:creationId xmlns:a16="http://schemas.microsoft.com/office/drawing/2014/main" id="{6A366801-5264-4A38-A8E2-5AFF3EDC0B10}"/>
+              </a:ext>
+            </a:extLst>
+          </p:cNvPr>
+          <p:cNvSpPr txBox="1">
+            <a:spLocks/>
+          </p:cNvSpPr>
+          <p:nvPr/>
+        </p:nvSpPr>
+        <p:spPr bwMode="auto">
+          <a:xfrm>
+            <a:off x="1905000" y="434975"/>
+            <a:ext cx="7086600" cy="944563"/>
+          </a:xfrm>
+          <a:prstGeom prst="rect">
+            <a:avLst/>
+          </a:prstGeom>
+          <a:noFill/>
+          <a:ln>
+            <a:noFill/>
+          </a:ln>
+          <a:effectLst/>
+          <a:extLst>
+            <a:ext uri="{909E8E84-426E-40DD-AFC4-6F175D3DCCD1}">
+              <a14:hiddenFill xmlns:a14="http://schemas.microsoft.com/office/drawing/2010/main">
+                <a:solidFill>
+                  <a:schemeClr val="accent1"/>
+                </a:solidFill>
+              </a14:hiddenFill>
+            </a:ext>
+            <a:ext uri="{91240B29-F687-4F45-9708-019B960494DF}">
+              <a14:hiddenLine xmlns:a14="http://schemas.microsoft.com/office/drawing/2010/main" w="9525">
+                <a:solidFill>
+                  <a:schemeClr val="tx1"/>
+                </a:solidFill>
+                <a:miter lim="800000"/>
+                <a:headEnd/>
+                <a:tailEnd/>
+              </a14:hiddenLine>
+            </a:ext>
+            <a:ext uri="{AF507438-7753-43E0-B8FC-AC1667EBCBE1}">
+              <a14:hiddenEffects xmlns:a14="http://schemas.microsoft.com/office/drawing/2010/main">
+                <a:effectLst>
+                  <a:outerShdw dist="35921" dir="2700000" algn="ctr" rotWithShape="0">
+                    <a:schemeClr val="bg2"/>
+                  </a:outerShdw>
+                </a:effectLst>
+              </a14:hiddenEffects>
+            </a:ext>
+          </a:extLst>
+        </p:spPr>
+        <p:txBody>
+          <a:bodyPr vert="horz" wrap="square" lIns="91440" tIns="45720" rIns="91440" bIns="45720" numCol="1" anchor="ctr" anchorCtr="0" compatLnSpc="1">
+            <a:prstTxWarp prst="textNoShape">
+              <a:avLst/>
+            </a:prstTxWarp>
+          </a:bodyPr>
+          <a:lstStyle>
+            <a:lvl1pPr algn="l" rtl="0" eaLnBrk="0" fontAlgn="base" hangingPunct="0">
+              <a:spcBef>
+                <a:spcPct val="0"/>
+              </a:spcBef>
+              <a:spcAft>
+                <a:spcPct val="0"/>
+              </a:spcAft>
+              <a:defRPr sz="3200" b="1" kern="1200">
+                <a:solidFill>
+                  <a:srgbClr val="996633"/>
+                </a:solidFill>
+                <a:latin typeface="+mj-lt"/>
+                <a:ea typeface="+mj-ea"/>
+                <a:cs typeface="+mj-cs"/>
+              </a:defRPr>
+            </a:lvl1pPr>
+            <a:lvl2pPr algn="l" rtl="0" eaLnBrk="0" fontAlgn="base" hangingPunct="0">
+              <a:spcBef>
+                <a:spcPct val="0"/>
+              </a:spcBef>
+              <a:spcAft>
+                <a:spcPct val="0"/>
+              </a:spcAft>
+              <a:defRPr sz="3200" b="1">
+                <a:solidFill>
+                  <a:srgbClr val="996633"/>
+                </a:solidFill>
+                <a:latin typeface="Arial" panose="020B0604020202020204" pitchFamily="34" charset="0"/>
+              </a:defRPr>
+            </a:lvl2pPr>
+            <a:lvl3pPr algn="l" rtl="0" eaLnBrk="0" fontAlgn="base" hangingPunct="0">
+              <a:spcBef>
+                <a:spcPct val="0"/>
+              </a:spcBef>
+              <a:spcAft>
+                <a:spcPct val="0"/>
+              </a:spcAft>
+              <a:defRPr sz="3200" b="1">
+                <a:solidFill>
+                  <a:srgbClr val="996633"/>
+                </a:solidFill>
+                <a:latin typeface="Arial" panose="020B0604020202020204" pitchFamily="34" charset="0"/>
+              </a:defRPr>
+            </a:lvl3pPr>
+            <a:lvl4pPr algn="l" rtl="0" eaLnBrk="0" fontAlgn="base" hangingPunct="0">
+              <a:spcBef>
+                <a:spcPct val="0"/>
+              </a:spcBef>
+              <a:spcAft>
+                <a:spcPct val="0"/>
+              </a:spcAft>
+              <a:defRPr sz="3200" b="1">
+                <a:solidFill>
+                  <a:srgbClr val="996633"/>
+                </a:solidFill>
+                <a:latin typeface="Arial" panose="020B0604020202020204" pitchFamily="34" charset="0"/>
+              </a:defRPr>
+            </a:lvl4pPr>
+            <a:lvl5pPr algn="l" rtl="0" eaLnBrk="0" fontAlgn="base" hangingPunct="0">
+              <a:spcBef>
+                <a:spcPct val="0"/>
+              </a:spcBef>
+              <a:spcAft>
+                <a:spcPct val="0"/>
+              </a:spcAft>
+              <a:defRPr sz="3200" b="1">
+                <a:solidFill>
+                  <a:srgbClr val="996633"/>
+                </a:solidFill>
+                <a:latin typeface="Arial" panose="020B0604020202020204" pitchFamily="34" charset="0"/>
+              </a:defRPr>
+            </a:lvl5pPr>
+            <a:lvl6pPr marL="457200" algn="l" rtl="0" fontAlgn="base">
+              <a:spcBef>
+                <a:spcPct val="0"/>
+              </a:spcBef>
+              <a:spcAft>
+                <a:spcPct val="0"/>
+              </a:spcAft>
+              <a:defRPr sz="3200" b="1">
+                <a:solidFill>
+                  <a:srgbClr val="996633"/>
+                </a:solidFill>
+                <a:latin typeface="Arial" panose="020B0604020202020204" pitchFamily="34" charset="0"/>
+              </a:defRPr>
+            </a:lvl6pPr>
+            <a:lvl7pPr marL="914400" algn="l" rtl="0" fontAlgn="base">
+              <a:spcBef>
+                <a:spcPct val="0"/>
+              </a:spcBef>
+              <a:spcAft>
+                <a:spcPct val="0"/>
+              </a:spcAft>
+              <a:defRPr sz="3200" b="1">
+                <a:solidFill>
+                  <a:srgbClr val="996633"/>
+                </a:solidFill>
+                <a:latin typeface="Arial" panose="020B0604020202020204" pitchFamily="34" charset="0"/>
+              </a:defRPr>
+            </a:lvl7pPr>
+            <a:lvl8pPr marL="1371600" algn="l" rtl="0" fontAlgn="base">
+              <a:spcBef>
+                <a:spcPct val="0"/>
+              </a:spcBef>
+              <a:spcAft>
+                <a:spcPct val="0"/>
+              </a:spcAft>
+              <a:defRPr sz="3200" b="1">
+                <a:solidFill>
+                  <a:srgbClr val="996633"/>
+                </a:solidFill>
+                <a:latin typeface="Arial" panose="020B0604020202020204" pitchFamily="34" charset="0"/>
+              </a:defRPr>
+            </a:lvl8pPr>
+            <a:lvl9pPr marL="1828800" algn="l" rtl="0" fontAlgn="base">
+              <a:spcBef>
+                <a:spcPct val="0"/>
+              </a:spcBef>
+              <a:spcAft>
+                <a:spcPct val="0"/>
+              </a:spcAft>
+              <a:defRPr sz="3200" b="1">
+                <a:solidFill>
+                  <a:srgbClr val="996633"/>
+                </a:solidFill>
+                <a:latin typeface="Arial" panose="020B0604020202020204" pitchFamily="34" charset="0"/>
+              </a:defRPr>
+            </a:lvl9pPr>
+          </a:lstStyle>
+          <a:p>
+            <a:r>
+              <a:rPr lang="en-US"/>
+              <a:t>Giải pháp công nghệ</a:t>
+            </a:r>
+          </a:p>
+        </p:txBody>
+      </p:sp>
+      <p:pic>
+        <p:nvPicPr>
+          <p:cNvPr id="8" name="Content Placeholder 7">
+            <a:extLst>
+              <a:ext uri="{FF2B5EF4-FFF2-40B4-BE49-F238E27FC236}">
+                <a16:creationId xmlns:a16="http://schemas.microsoft.com/office/drawing/2014/main" id="{68C8D52F-7D82-4ED3-8C72-DC15E6542CBF}"/>
+              </a:ext>
+            </a:extLst>
+          </p:cNvPr>
+          <p:cNvPicPr>
+            <a:picLocks noGrp="1" noChangeAspect="1"/>
+          </p:cNvPicPr>
+          <p:nvPr>
+            <p:ph idx="1"/>
+          </p:nvPr>
+        </p:nvPicPr>
+        <p:blipFill>
+          <a:blip r:embed="rId2">
+            <a:extLst>
+              <a:ext uri="{28A0092B-C50C-407E-A947-70E740481C1C}">
+                <a14:useLocalDpi xmlns:a14="http://schemas.microsoft.com/office/drawing/2010/main" val="0"/>
+              </a:ext>
+            </a:extLst>
+          </a:blip>
+          <a:stretch>
+            <a:fillRect/>
+          </a:stretch>
+        </p:blipFill>
+        <p:spPr>
+          <a:xfrm>
+            <a:off x="2184269" y="2959841"/>
+            <a:ext cx="5080261" cy="2038455"/>
+          </a:xfrm>
+        </p:spPr>
+      </p:pic>
+      <p:pic>
+        <p:nvPicPr>
+          <p:cNvPr id="6" name="Picture 10" descr="Image result for heroku png">
+            <a:extLst>
+              <a:ext uri="{FF2B5EF4-FFF2-40B4-BE49-F238E27FC236}">
+                <a16:creationId xmlns:a16="http://schemas.microsoft.com/office/drawing/2014/main" id="{8BEFAA40-9876-4B73-B1BD-F579B2D3327E}"/>
+              </a:ext>
+            </a:extLst>
+          </p:cNvPr>
+          <p:cNvPicPr>
+            <a:picLocks noChangeAspect="1" noChangeArrowheads="1"/>
+          </p:cNvPicPr>
+          <p:nvPr/>
+        </p:nvPicPr>
+        <p:blipFill>
+          <a:blip r:embed="rId3" cstate="print">
+            <a:extLst>
+              <a:ext uri="{28A0092B-C50C-407E-A947-70E740481C1C}">
+                <a14:useLocalDpi xmlns:a14="http://schemas.microsoft.com/office/drawing/2010/main" val="0"/>
+              </a:ext>
+            </a:extLst>
+          </a:blip>
+          <a:srcRect/>
+          <a:stretch>
+            <a:fillRect/>
+          </a:stretch>
+        </p:blipFill>
+        <p:spPr bwMode="auto">
+          <a:xfrm>
+            <a:off x="6061869" y="346869"/>
+            <a:ext cx="719931" cy="719931"/>
+          </a:xfrm>
+          <a:prstGeom prst="rect">
+            <a:avLst/>
+          </a:prstGeom>
+          <a:noFill/>
+          <a:extLst>
+            <a:ext uri="{909E8E84-426E-40DD-AFC4-6F175D3DCCD1}">
+              <a14:hiddenFill xmlns:a14="http://schemas.microsoft.com/office/drawing/2010/main">
+                <a:solidFill>
+                  <a:srgbClr val="FFFFFF"/>
+                </a:solidFill>
+              </a14:hiddenFill>
+            </a:ext>
+          </a:extLst>
+        </p:spPr>
+      </p:pic>
+    </p:spTree>
+    <p:extLst>
+      <p:ext uri="{BB962C8B-B14F-4D97-AF65-F5344CB8AC3E}">
+        <p14:creationId xmlns:p14="http://schemas.microsoft.com/office/powerpoint/2010/main" val="2980017217"/>
+      </p:ext>
+    </p:extLst>
+  </p:cSld>
+  <p:clrMapOvr>
+    <a:masterClrMapping/>
+  </p:clrMapOvr>
+</p:sld>
+</file>
+
+<file path=ppt/slides/slide15.xml><?xml version="1.0" encoding="utf-8"?>
+<p:sld xmlns:a="http://schemas.openxmlformats.org/drawingml/2006/main" xmlns:r="http://schemas.openxmlformats.org/officeDocument/2006/relationships" xmlns:p="http://schemas.openxmlformats.org/presentationml/2006/main">
+  <p:cSld>
+    <p:spTree>
+      <p:nvGrpSpPr>
+        <p:cNvPr id="1" name=""/>
+        <p:cNvGrpSpPr/>
+        <p:nvPr/>
+      </p:nvGrpSpPr>
+      <p:grpSpPr>
+        <a:xfrm>
+          <a:off x="0" y="0"/>
+          <a:ext cx="0" cy="0"/>
+          <a:chOff x="0" y="0"/>
+          <a:chExt cx="0" cy="0"/>
+        </a:xfrm>
+      </p:grpSpPr>
+      <p:sp>
+        <p:nvSpPr>
           <p:cNvPr id="2" name="Title 1"/>
           <p:cNvSpPr>
             <a:spLocks noGrp="1"/>
@@ -14766,7 +15672,7 @@
               <a:pPr>
                 <a:defRPr/>
               </a:pPr>
-              <a:t>13</a:t>
+              <a:t>15</a:t>
             </a:fld>
             <a:endParaRPr lang="en-US" altLang="en-US"/>
           </a:p>
@@ -14788,7 +15694,7 @@
 </p:sld>
 </file>
 
-<file path=ppt/slides/slide14.xml><?xml version="1.0" encoding="utf-8"?>
+<file path=ppt/slides/slide16.xml><?xml version="1.0" encoding="utf-8"?>
 <p:sld xmlns:a="http://schemas.openxmlformats.org/drawingml/2006/main" xmlns:r="http://schemas.openxmlformats.org/officeDocument/2006/relationships" xmlns:p="http://schemas.openxmlformats.org/presentationml/2006/main">
   <p:cSld>
     <p:spTree>
@@ -14880,7 +15786,7 @@
               <a:pPr>
                 <a:defRPr/>
               </a:pPr>
-              <a:t>14</a:t>
+              <a:t>16</a:t>
             </a:fld>
             <a:endParaRPr lang="en-US" altLang="en-US"/>
           </a:p>
@@ -17340,7 +18246,7 @@
 </p:sld>
 </file>
 
-<file path=ppt/slides/slide15.xml><?xml version="1.0" encoding="utf-8"?>
+<file path=ppt/slides/slide17.xml><?xml version="1.0" encoding="utf-8"?>
 <p:sld xmlns:a="http://schemas.openxmlformats.org/drawingml/2006/main" xmlns:r="http://schemas.openxmlformats.org/officeDocument/2006/relationships" xmlns:p="http://schemas.openxmlformats.org/presentationml/2006/main">
   <p:cSld>
     <p:spTree>
@@ -17427,7 +18333,7 @@
               <a:pPr>
                 <a:defRPr/>
               </a:pPr>
-              <a:t>15</a:t>
+              <a:t>17</a:t>
             </a:fld>
             <a:endParaRPr lang="en-US" altLang="en-US"/>
           </a:p>
@@ -17475,7 +18381,7 @@
 </p:sld>
 </file>
 
-<file path=ppt/slides/slide16.xml><?xml version="1.0" encoding="utf-8"?>
+<file path=ppt/slides/slide18.xml><?xml version="1.0" encoding="utf-8"?>
 <p:sld xmlns:a="http://schemas.openxmlformats.org/drawingml/2006/main" xmlns:r="http://schemas.openxmlformats.org/officeDocument/2006/relationships" xmlns:p="http://schemas.openxmlformats.org/presentationml/2006/main">
   <p:cSld>
     <p:spTree>
@@ -17537,7 +18443,7 @@
               <a:pPr>
                 <a:defRPr/>
               </a:pPr>
-              <a:t>16</a:t>
+              <a:t>18</a:t>
             </a:fld>
             <a:endParaRPr lang="en-US" altLang="en-US"/>
           </a:p>
@@ -17655,7 +18561,7 @@
 </p:sld>
 </file>
 
-<file path=ppt/slides/slide17.xml><?xml version="1.0" encoding="utf-8"?>
+<file path=ppt/slides/slide19.xml><?xml version="1.0" encoding="utf-8"?>
 <p:sld xmlns:a="http://schemas.openxmlformats.org/drawingml/2006/main" xmlns:r="http://schemas.openxmlformats.org/officeDocument/2006/relationships" xmlns:p="http://schemas.openxmlformats.org/presentationml/2006/main">
   <p:cSld>
     <p:spTree>
@@ -17807,281 +18713,6 @@
     <p:extLst>
       <p:ext uri="{BB962C8B-B14F-4D97-AF65-F5344CB8AC3E}">
         <p14:creationId xmlns:p14="http://schemas.microsoft.com/office/powerpoint/2010/main" val="270054995"/>
-      </p:ext>
-    </p:extLst>
-  </p:cSld>
-  <p:clrMapOvr>
-    <a:masterClrMapping/>
-  </p:clrMapOvr>
-</p:sld>
-</file>
-
-<file path=ppt/slides/slide18.xml><?xml version="1.0" encoding="utf-8"?>
-<p:sld xmlns:a="http://schemas.openxmlformats.org/drawingml/2006/main" xmlns:r="http://schemas.openxmlformats.org/officeDocument/2006/relationships" xmlns:p="http://schemas.openxmlformats.org/presentationml/2006/main">
-  <p:cSld>
-    <p:spTree>
-      <p:nvGrpSpPr>
-        <p:cNvPr id="1" name=""/>
-        <p:cNvGrpSpPr/>
-        <p:nvPr/>
-      </p:nvGrpSpPr>
-      <p:grpSpPr>
-        <a:xfrm>
-          <a:off x="0" y="0"/>
-          <a:ext cx="0" cy="0"/>
-          <a:chOff x="0" y="0"/>
-          <a:chExt cx="0" cy="0"/>
-        </a:xfrm>
-      </p:grpSpPr>
-      <p:sp>
-        <p:nvSpPr>
-          <p:cNvPr id="2" name="Title 1"/>
-          <p:cNvSpPr>
-            <a:spLocks noGrp="1"/>
-          </p:cNvSpPr>
-          <p:nvPr>
-            <p:ph type="title"/>
-          </p:nvPr>
-        </p:nvSpPr>
-        <p:spPr/>
-        <p:txBody>
-          <a:bodyPr/>
-          <a:lstStyle/>
-          <a:p>
-            <a:r>
-              <a:rPr lang="en-US"/>
-              <a:t>Kết quả</a:t>
-            </a:r>
-          </a:p>
-        </p:txBody>
-      </p:sp>
-      <p:sp>
-        <p:nvSpPr>
-          <p:cNvPr id="4" name="Slide Number Placeholder 3"/>
-          <p:cNvSpPr>
-            <a:spLocks noGrp="1"/>
-          </p:cNvSpPr>
-          <p:nvPr>
-            <p:ph type="sldNum" sz="quarter" idx="12"/>
-          </p:nvPr>
-        </p:nvSpPr>
-        <p:spPr/>
-        <p:txBody>
-          <a:bodyPr/>
-          <a:lstStyle/>
-          <a:p>
-            <a:pPr>
-              <a:defRPr/>
-            </a:pPr>
-            <a:fld id="{20CDDA0F-6228-4D21-A34F-D991946E76B9}" type="slidenum">
-              <a:rPr lang="en-US" altLang="en-US" smtClean="0"/>
-              <a:pPr>
-                <a:defRPr/>
-              </a:pPr>
-              <a:t>18</a:t>
-            </a:fld>
-            <a:endParaRPr lang="en-US" altLang="en-US"/>
-          </a:p>
-        </p:txBody>
-      </p:sp>
-      <p:sp>
-        <p:nvSpPr>
-          <p:cNvPr id="6" name="TextBox 5"/>
-          <p:cNvSpPr txBox="1"/>
-          <p:nvPr/>
-        </p:nvSpPr>
-        <p:spPr>
-          <a:xfrm>
-            <a:off x="990600" y="1490788"/>
-            <a:ext cx="4876800" cy="461665"/>
-          </a:xfrm>
-          <a:prstGeom prst="rect">
-            <a:avLst/>
-          </a:prstGeom>
-          <a:noFill/>
-        </p:spPr>
-        <p:txBody>
-          <a:bodyPr wrap="square" rtlCol="0">
-            <a:spAutoFit/>
-          </a:bodyPr>
-          <a:lstStyle/>
-          <a:p>
-            <a:r>
-              <a:rPr lang="en-US" sz="2400" b="1">
-                <a:solidFill>
-                  <a:srgbClr val="000066"/>
-                </a:solidFill>
-              </a:rPr>
-              <a:t>Giao diện trang chủ</a:t>
-            </a:r>
-          </a:p>
-        </p:txBody>
-      </p:sp>
-      <p:pic>
-        <p:nvPicPr>
-          <p:cNvPr id="5" name="Content Placeholder 4"/>
-          <p:cNvPicPr>
-            <a:picLocks noGrp="1" noChangeAspect="1"/>
-          </p:cNvPicPr>
-          <p:nvPr>
-            <p:ph idx="1"/>
-          </p:nvPr>
-        </p:nvPicPr>
-        <p:blipFill>
-          <a:blip r:embed="rId3"/>
-          <a:stretch>
-            <a:fillRect/>
-          </a:stretch>
-        </p:blipFill>
-        <p:spPr>
-          <a:xfrm>
-            <a:off x="685800" y="2216103"/>
-            <a:ext cx="7877232" cy="3474904"/>
-          </a:xfrm>
-          <a:prstGeom prst="rect">
-            <a:avLst/>
-          </a:prstGeom>
-        </p:spPr>
-      </p:pic>
-    </p:spTree>
-    <p:extLst>
-      <p:ext uri="{BB962C8B-B14F-4D97-AF65-F5344CB8AC3E}">
-        <p14:creationId xmlns:p14="http://schemas.microsoft.com/office/powerpoint/2010/main" val="180087247"/>
-      </p:ext>
-    </p:extLst>
-  </p:cSld>
-  <p:clrMapOvr>
-    <a:masterClrMapping/>
-  </p:clrMapOvr>
-</p:sld>
-</file>
-
-<file path=ppt/slides/slide19.xml><?xml version="1.0" encoding="utf-8"?>
-<p:sld xmlns:a="http://schemas.openxmlformats.org/drawingml/2006/main" xmlns:r="http://schemas.openxmlformats.org/officeDocument/2006/relationships" xmlns:p="http://schemas.openxmlformats.org/presentationml/2006/main">
-  <p:cSld>
-    <p:spTree>
-      <p:nvGrpSpPr>
-        <p:cNvPr id="1" name=""/>
-        <p:cNvGrpSpPr/>
-        <p:nvPr/>
-      </p:nvGrpSpPr>
-      <p:grpSpPr>
-        <a:xfrm>
-          <a:off x="0" y="0"/>
-          <a:ext cx="0" cy="0"/>
-          <a:chOff x="0" y="0"/>
-          <a:chExt cx="0" cy="0"/>
-        </a:xfrm>
-      </p:grpSpPr>
-      <p:sp>
-        <p:nvSpPr>
-          <p:cNvPr id="2" name="Title 1"/>
-          <p:cNvSpPr>
-            <a:spLocks noGrp="1"/>
-          </p:cNvSpPr>
-          <p:nvPr>
-            <p:ph type="title"/>
-          </p:nvPr>
-        </p:nvSpPr>
-        <p:spPr/>
-        <p:txBody>
-          <a:bodyPr/>
-          <a:lstStyle/>
-          <a:p>
-            <a:r>
-              <a:rPr lang="en-US"/>
-              <a:t>Kết quả</a:t>
-            </a:r>
-          </a:p>
-        </p:txBody>
-      </p:sp>
-      <p:sp>
-        <p:nvSpPr>
-          <p:cNvPr id="3" name="Content Placeholder 2"/>
-          <p:cNvSpPr>
-            <a:spLocks noGrp="1"/>
-          </p:cNvSpPr>
-          <p:nvPr>
-            <p:ph idx="1"/>
-          </p:nvPr>
-        </p:nvSpPr>
-        <p:spPr>
-          <a:xfrm>
-            <a:off x="609600" y="1447800"/>
-            <a:ext cx="8229600" cy="4876800"/>
-          </a:xfrm>
-        </p:spPr>
-        <p:txBody>
-          <a:bodyPr/>
-          <a:lstStyle/>
-          <a:p>
-            <a:pPr marL="0" indent="0">
-              <a:buNone/>
-            </a:pPr>
-            <a:r>
-              <a:rPr lang="en-US"/>
-              <a:t>Giao diện trang đăng ký lịch</a:t>
-            </a:r>
-          </a:p>
-        </p:txBody>
-      </p:sp>
-      <p:sp>
-        <p:nvSpPr>
-          <p:cNvPr id="4" name="Slide Number Placeholder 3"/>
-          <p:cNvSpPr>
-            <a:spLocks noGrp="1"/>
-          </p:cNvSpPr>
-          <p:nvPr>
-            <p:ph type="sldNum" sz="quarter" idx="12"/>
-          </p:nvPr>
-        </p:nvSpPr>
-        <p:spPr/>
-        <p:txBody>
-          <a:bodyPr/>
-          <a:lstStyle/>
-          <a:p>
-            <a:pPr>
-              <a:defRPr/>
-            </a:pPr>
-            <a:fld id="{20CDDA0F-6228-4D21-A34F-D991946E76B9}" type="slidenum">
-              <a:rPr lang="en-US" altLang="en-US" smtClean="0"/>
-              <a:pPr>
-                <a:defRPr/>
-              </a:pPr>
-              <a:t>19</a:t>
-            </a:fld>
-            <a:endParaRPr lang="en-US" altLang="en-US"/>
-          </a:p>
-        </p:txBody>
-      </p:sp>
-      <p:pic>
-        <p:nvPicPr>
-          <p:cNvPr id="5" name="Picture 4"/>
-          <p:cNvPicPr>
-            <a:picLocks noChangeAspect="1"/>
-          </p:cNvPicPr>
-          <p:nvPr/>
-        </p:nvPicPr>
-        <p:blipFill>
-          <a:blip r:embed="rId3"/>
-          <a:stretch>
-            <a:fillRect/>
-          </a:stretch>
-        </p:blipFill>
-        <p:spPr>
-          <a:xfrm>
-            <a:off x="630382" y="2157354"/>
-            <a:ext cx="8035205" cy="3613208"/>
-          </a:xfrm>
-          <a:prstGeom prst="rect">
-            <a:avLst/>
-          </a:prstGeom>
-        </p:spPr>
-      </p:pic>
-    </p:spTree>
-    <p:extLst>
-      <p:ext uri="{BB962C8B-B14F-4D97-AF65-F5344CB8AC3E}">
-        <p14:creationId xmlns:p14="http://schemas.microsoft.com/office/powerpoint/2010/main" val="3570067788"/>
       </p:ext>
     </p:extLst>
   </p:cSld>
@@ -18820,6 +19451,281 @@
       </p:sp>
       <p:sp>
         <p:nvSpPr>
+          <p:cNvPr id="4" name="Slide Number Placeholder 3"/>
+          <p:cNvSpPr>
+            <a:spLocks noGrp="1"/>
+          </p:cNvSpPr>
+          <p:nvPr>
+            <p:ph type="sldNum" sz="quarter" idx="12"/>
+          </p:nvPr>
+        </p:nvSpPr>
+        <p:spPr/>
+        <p:txBody>
+          <a:bodyPr/>
+          <a:lstStyle/>
+          <a:p>
+            <a:pPr>
+              <a:defRPr/>
+            </a:pPr>
+            <a:fld id="{20CDDA0F-6228-4D21-A34F-D991946E76B9}" type="slidenum">
+              <a:rPr lang="en-US" altLang="en-US" smtClean="0"/>
+              <a:pPr>
+                <a:defRPr/>
+              </a:pPr>
+              <a:t>20</a:t>
+            </a:fld>
+            <a:endParaRPr lang="en-US" altLang="en-US"/>
+          </a:p>
+        </p:txBody>
+      </p:sp>
+      <p:sp>
+        <p:nvSpPr>
+          <p:cNvPr id="6" name="TextBox 5"/>
+          <p:cNvSpPr txBox="1"/>
+          <p:nvPr/>
+        </p:nvSpPr>
+        <p:spPr>
+          <a:xfrm>
+            <a:off x="990600" y="1490788"/>
+            <a:ext cx="4876800" cy="461665"/>
+          </a:xfrm>
+          <a:prstGeom prst="rect">
+            <a:avLst/>
+          </a:prstGeom>
+          <a:noFill/>
+        </p:spPr>
+        <p:txBody>
+          <a:bodyPr wrap="square" rtlCol="0">
+            <a:spAutoFit/>
+          </a:bodyPr>
+          <a:lstStyle/>
+          <a:p>
+            <a:r>
+              <a:rPr lang="en-US" sz="2400" b="1">
+                <a:solidFill>
+                  <a:srgbClr val="000066"/>
+                </a:solidFill>
+              </a:rPr>
+              <a:t>Giao diện trang chủ</a:t>
+            </a:r>
+          </a:p>
+        </p:txBody>
+      </p:sp>
+      <p:pic>
+        <p:nvPicPr>
+          <p:cNvPr id="5" name="Content Placeholder 4"/>
+          <p:cNvPicPr>
+            <a:picLocks noGrp="1" noChangeAspect="1"/>
+          </p:cNvPicPr>
+          <p:nvPr>
+            <p:ph idx="1"/>
+          </p:nvPr>
+        </p:nvPicPr>
+        <p:blipFill>
+          <a:blip r:embed="rId3"/>
+          <a:stretch>
+            <a:fillRect/>
+          </a:stretch>
+        </p:blipFill>
+        <p:spPr>
+          <a:xfrm>
+            <a:off x="685800" y="2216103"/>
+            <a:ext cx="7877232" cy="3474904"/>
+          </a:xfrm>
+          <a:prstGeom prst="rect">
+            <a:avLst/>
+          </a:prstGeom>
+        </p:spPr>
+      </p:pic>
+    </p:spTree>
+    <p:extLst>
+      <p:ext uri="{BB962C8B-B14F-4D97-AF65-F5344CB8AC3E}">
+        <p14:creationId xmlns:p14="http://schemas.microsoft.com/office/powerpoint/2010/main" val="180087247"/>
+      </p:ext>
+    </p:extLst>
+  </p:cSld>
+  <p:clrMapOvr>
+    <a:masterClrMapping/>
+  </p:clrMapOvr>
+</p:sld>
+</file>
+
+<file path=ppt/slides/slide21.xml><?xml version="1.0" encoding="utf-8"?>
+<p:sld xmlns:a="http://schemas.openxmlformats.org/drawingml/2006/main" xmlns:r="http://schemas.openxmlformats.org/officeDocument/2006/relationships" xmlns:p="http://schemas.openxmlformats.org/presentationml/2006/main">
+  <p:cSld>
+    <p:spTree>
+      <p:nvGrpSpPr>
+        <p:cNvPr id="1" name=""/>
+        <p:cNvGrpSpPr/>
+        <p:nvPr/>
+      </p:nvGrpSpPr>
+      <p:grpSpPr>
+        <a:xfrm>
+          <a:off x="0" y="0"/>
+          <a:ext cx="0" cy="0"/>
+          <a:chOff x="0" y="0"/>
+          <a:chExt cx="0" cy="0"/>
+        </a:xfrm>
+      </p:grpSpPr>
+      <p:sp>
+        <p:nvSpPr>
+          <p:cNvPr id="2" name="Title 1"/>
+          <p:cNvSpPr>
+            <a:spLocks noGrp="1"/>
+          </p:cNvSpPr>
+          <p:nvPr>
+            <p:ph type="title"/>
+          </p:nvPr>
+        </p:nvSpPr>
+        <p:spPr/>
+        <p:txBody>
+          <a:bodyPr/>
+          <a:lstStyle/>
+          <a:p>
+            <a:r>
+              <a:rPr lang="en-US"/>
+              <a:t>Kết quả</a:t>
+            </a:r>
+          </a:p>
+        </p:txBody>
+      </p:sp>
+      <p:sp>
+        <p:nvSpPr>
+          <p:cNvPr id="3" name="Content Placeholder 2"/>
+          <p:cNvSpPr>
+            <a:spLocks noGrp="1"/>
+          </p:cNvSpPr>
+          <p:nvPr>
+            <p:ph idx="1"/>
+          </p:nvPr>
+        </p:nvSpPr>
+        <p:spPr>
+          <a:xfrm>
+            <a:off x="609600" y="1447800"/>
+            <a:ext cx="8229600" cy="4876800"/>
+          </a:xfrm>
+        </p:spPr>
+        <p:txBody>
+          <a:bodyPr/>
+          <a:lstStyle/>
+          <a:p>
+            <a:pPr marL="0" indent="0">
+              <a:buNone/>
+            </a:pPr>
+            <a:r>
+              <a:rPr lang="en-US"/>
+              <a:t>Giao diện trang đăng ký lịch</a:t>
+            </a:r>
+          </a:p>
+        </p:txBody>
+      </p:sp>
+      <p:sp>
+        <p:nvSpPr>
+          <p:cNvPr id="4" name="Slide Number Placeholder 3"/>
+          <p:cNvSpPr>
+            <a:spLocks noGrp="1"/>
+          </p:cNvSpPr>
+          <p:nvPr>
+            <p:ph type="sldNum" sz="quarter" idx="12"/>
+          </p:nvPr>
+        </p:nvSpPr>
+        <p:spPr/>
+        <p:txBody>
+          <a:bodyPr/>
+          <a:lstStyle/>
+          <a:p>
+            <a:pPr>
+              <a:defRPr/>
+            </a:pPr>
+            <a:fld id="{20CDDA0F-6228-4D21-A34F-D991946E76B9}" type="slidenum">
+              <a:rPr lang="en-US" altLang="en-US" smtClean="0"/>
+              <a:pPr>
+                <a:defRPr/>
+              </a:pPr>
+              <a:t>21</a:t>
+            </a:fld>
+            <a:endParaRPr lang="en-US" altLang="en-US"/>
+          </a:p>
+        </p:txBody>
+      </p:sp>
+      <p:pic>
+        <p:nvPicPr>
+          <p:cNvPr id="5" name="Picture 4"/>
+          <p:cNvPicPr>
+            <a:picLocks noChangeAspect="1"/>
+          </p:cNvPicPr>
+          <p:nvPr/>
+        </p:nvPicPr>
+        <p:blipFill>
+          <a:blip r:embed="rId3"/>
+          <a:stretch>
+            <a:fillRect/>
+          </a:stretch>
+        </p:blipFill>
+        <p:spPr>
+          <a:xfrm>
+            <a:off x="630382" y="2157354"/>
+            <a:ext cx="8035205" cy="3613208"/>
+          </a:xfrm>
+          <a:prstGeom prst="rect">
+            <a:avLst/>
+          </a:prstGeom>
+        </p:spPr>
+      </p:pic>
+    </p:spTree>
+    <p:extLst>
+      <p:ext uri="{BB962C8B-B14F-4D97-AF65-F5344CB8AC3E}">
+        <p14:creationId xmlns:p14="http://schemas.microsoft.com/office/powerpoint/2010/main" val="3570067788"/>
+      </p:ext>
+    </p:extLst>
+  </p:cSld>
+  <p:clrMapOvr>
+    <a:masterClrMapping/>
+  </p:clrMapOvr>
+</p:sld>
+</file>
+
+<file path=ppt/slides/slide22.xml><?xml version="1.0" encoding="utf-8"?>
+<p:sld xmlns:a="http://schemas.openxmlformats.org/drawingml/2006/main" xmlns:r="http://schemas.openxmlformats.org/officeDocument/2006/relationships" xmlns:p="http://schemas.openxmlformats.org/presentationml/2006/main">
+  <p:cSld>
+    <p:spTree>
+      <p:nvGrpSpPr>
+        <p:cNvPr id="1" name=""/>
+        <p:cNvGrpSpPr/>
+        <p:nvPr/>
+      </p:nvGrpSpPr>
+      <p:grpSpPr>
+        <a:xfrm>
+          <a:off x="0" y="0"/>
+          <a:ext cx="0" cy="0"/>
+          <a:chOff x="0" y="0"/>
+          <a:chExt cx="0" cy="0"/>
+        </a:xfrm>
+      </p:grpSpPr>
+      <p:sp>
+        <p:nvSpPr>
+          <p:cNvPr id="2" name="Title 1"/>
+          <p:cNvSpPr>
+            <a:spLocks noGrp="1"/>
+          </p:cNvSpPr>
+          <p:nvPr>
+            <p:ph type="title"/>
+          </p:nvPr>
+        </p:nvSpPr>
+        <p:spPr/>
+        <p:txBody>
+          <a:bodyPr/>
+          <a:lstStyle/>
+          <a:p>
+            <a:r>
+              <a:rPr lang="en-US"/>
+              <a:t>Kết quả</a:t>
+            </a:r>
+          </a:p>
+        </p:txBody>
+      </p:sp>
+      <p:sp>
+        <p:nvSpPr>
           <p:cNvPr id="3" name="Content Placeholder 2"/>
           <p:cNvSpPr>
             <a:spLocks noGrp="1"/>
@@ -18880,7 +19786,7 @@
               <a:pPr>
                 <a:defRPr/>
               </a:pPr>
-              <a:t>20</a:t>
+              <a:t>22</a:t>
             </a:fld>
             <a:endParaRPr lang="en-US" altLang="en-US"/>
           </a:p>
@@ -18923,7 +19829,7 @@
 </p:sld>
 </file>
 
-<file path=ppt/slides/slide21.xml><?xml version="1.0" encoding="utf-8"?>
+<file path=ppt/slides/slide23.xml><?xml version="1.0" encoding="utf-8"?>
 <p:sld xmlns:a="http://schemas.openxmlformats.org/drawingml/2006/main" xmlns:r="http://schemas.openxmlformats.org/officeDocument/2006/relationships" xmlns:p="http://schemas.openxmlformats.org/presentationml/2006/main">
   <p:cSld>
     <p:spTree>
@@ -18990,7 +19896,7 @@
               <a:pPr>
                 <a:defRPr/>
               </a:pPr>
-              <a:t>21</a:t>
+              <a:t>23</a:t>
             </a:fld>
             <a:endParaRPr lang="en-US" altLang="en-US"/>
           </a:p>
@@ -19188,282 +20094,6 @@
 </p:sld>
 </file>
 
-<file path=ppt/slides/slide22.xml><?xml version="1.0" encoding="utf-8"?>
-<p:sld xmlns:a="http://schemas.openxmlformats.org/drawingml/2006/main" xmlns:r="http://schemas.openxmlformats.org/officeDocument/2006/relationships" xmlns:p="http://schemas.openxmlformats.org/presentationml/2006/main">
-  <p:cSld>
-    <p:spTree>
-      <p:nvGrpSpPr>
-        <p:cNvPr id="1" name=""/>
-        <p:cNvGrpSpPr/>
-        <p:nvPr/>
-      </p:nvGrpSpPr>
-      <p:grpSpPr>
-        <a:xfrm>
-          <a:off x="0" y="0"/>
-          <a:ext cx="0" cy="0"/>
-          <a:chOff x="0" y="0"/>
-          <a:chExt cx="0" cy="0"/>
-        </a:xfrm>
-      </p:grpSpPr>
-      <p:sp>
-        <p:nvSpPr>
-          <p:cNvPr id="2" name="Title 1"/>
-          <p:cNvSpPr>
-            <a:spLocks noGrp="1"/>
-          </p:cNvSpPr>
-          <p:nvPr>
-            <p:ph type="title"/>
-          </p:nvPr>
-        </p:nvSpPr>
-        <p:spPr/>
-        <p:txBody>
-          <a:bodyPr/>
-          <a:lstStyle/>
-          <a:p>
-            <a:r>
-              <a:rPr lang="en-US"/>
-              <a:t>Kết quả</a:t>
-            </a:r>
-          </a:p>
-        </p:txBody>
-      </p:sp>
-      <p:sp>
-        <p:nvSpPr>
-          <p:cNvPr id="3" name="Content Placeholder 2"/>
-          <p:cNvSpPr>
-            <a:spLocks noGrp="1"/>
-          </p:cNvSpPr>
-          <p:nvPr>
-            <p:ph idx="1"/>
-          </p:nvPr>
-        </p:nvSpPr>
-        <p:spPr>
-          <a:xfrm>
-            <a:off x="609600" y="1447800"/>
-            <a:ext cx="8229600" cy="4876800"/>
-          </a:xfrm>
-        </p:spPr>
-        <p:txBody>
-          <a:bodyPr/>
-          <a:lstStyle/>
-          <a:p>
-            <a:pPr marL="0" indent="0">
-              <a:buNone/>
-            </a:pPr>
-            <a:r>
-              <a:rPr lang="en-US" sz="2400"/>
-              <a:t>Giao diện trang xử lý vấn đề</a:t>
-            </a:r>
-          </a:p>
-          <a:p>
-            <a:pPr marL="0" indent="0">
-              <a:buNone/>
-            </a:pPr>
-            <a:endParaRPr lang="en-US" sz="2400"/>
-          </a:p>
-        </p:txBody>
-      </p:sp>
-      <p:sp>
-        <p:nvSpPr>
-          <p:cNvPr id="4" name="Slide Number Placeholder 3"/>
-          <p:cNvSpPr>
-            <a:spLocks noGrp="1"/>
-          </p:cNvSpPr>
-          <p:nvPr>
-            <p:ph type="sldNum" sz="quarter" idx="12"/>
-          </p:nvPr>
-        </p:nvSpPr>
-        <p:spPr/>
-        <p:txBody>
-          <a:bodyPr/>
-          <a:lstStyle/>
-          <a:p>
-            <a:pPr>
-              <a:defRPr/>
-            </a:pPr>
-            <a:fld id="{20CDDA0F-6228-4D21-A34F-D991946E76B9}" type="slidenum">
-              <a:rPr lang="en-US" altLang="en-US" smtClean="0"/>
-              <a:pPr>
-                <a:defRPr/>
-              </a:pPr>
-              <a:t>22</a:t>
-            </a:fld>
-            <a:endParaRPr lang="en-US" altLang="en-US"/>
-          </a:p>
-        </p:txBody>
-      </p:sp>
-      <p:pic>
-        <p:nvPicPr>
-          <p:cNvPr id="7" name="Picture 6"/>
-          <p:cNvPicPr>
-            <a:picLocks noChangeAspect="1"/>
-          </p:cNvPicPr>
-          <p:nvPr/>
-        </p:nvPicPr>
-        <p:blipFill>
-          <a:blip r:embed="rId2"/>
-          <a:stretch>
-            <a:fillRect/>
-          </a:stretch>
-        </p:blipFill>
-        <p:spPr>
-          <a:xfrm>
-            <a:off x="609600" y="2194396"/>
-            <a:ext cx="8229600" cy="3420347"/>
-          </a:xfrm>
-          <a:prstGeom prst="rect">
-            <a:avLst/>
-          </a:prstGeom>
-        </p:spPr>
-      </p:pic>
-    </p:spTree>
-    <p:extLst>
-      <p:ext uri="{BB962C8B-B14F-4D97-AF65-F5344CB8AC3E}">
-        <p14:creationId xmlns:p14="http://schemas.microsoft.com/office/powerpoint/2010/main" val="1362713616"/>
-      </p:ext>
-    </p:extLst>
-  </p:cSld>
-  <p:clrMapOvr>
-    <a:masterClrMapping/>
-  </p:clrMapOvr>
-</p:sld>
-</file>
-
-<file path=ppt/slides/slide23.xml><?xml version="1.0" encoding="utf-8"?>
-<p:sld xmlns:a="http://schemas.openxmlformats.org/drawingml/2006/main" xmlns:r="http://schemas.openxmlformats.org/officeDocument/2006/relationships" xmlns:p="http://schemas.openxmlformats.org/presentationml/2006/main">
-  <p:cSld>
-    <p:spTree>
-      <p:nvGrpSpPr>
-        <p:cNvPr id="1" name=""/>
-        <p:cNvGrpSpPr/>
-        <p:nvPr/>
-      </p:nvGrpSpPr>
-      <p:grpSpPr>
-        <a:xfrm>
-          <a:off x="0" y="0"/>
-          <a:ext cx="0" cy="0"/>
-          <a:chOff x="0" y="0"/>
-          <a:chExt cx="0" cy="0"/>
-        </a:xfrm>
-      </p:grpSpPr>
-      <p:sp>
-        <p:nvSpPr>
-          <p:cNvPr id="2" name="Title 1"/>
-          <p:cNvSpPr>
-            <a:spLocks noGrp="1"/>
-          </p:cNvSpPr>
-          <p:nvPr>
-            <p:ph type="title"/>
-          </p:nvPr>
-        </p:nvSpPr>
-        <p:spPr/>
-        <p:txBody>
-          <a:bodyPr/>
-          <a:lstStyle/>
-          <a:p>
-            <a:r>
-              <a:rPr lang="en-US"/>
-              <a:t>Kết quả</a:t>
-            </a:r>
-          </a:p>
-        </p:txBody>
-      </p:sp>
-      <p:sp>
-        <p:nvSpPr>
-          <p:cNvPr id="3" name="Content Placeholder 2"/>
-          <p:cNvSpPr>
-            <a:spLocks noGrp="1"/>
-          </p:cNvSpPr>
-          <p:nvPr>
-            <p:ph idx="1"/>
-          </p:nvPr>
-        </p:nvSpPr>
-        <p:spPr>
-          <a:xfrm>
-            <a:off x="609600" y="1371600"/>
-            <a:ext cx="8229600" cy="4953000"/>
-          </a:xfrm>
-        </p:spPr>
-        <p:txBody>
-          <a:bodyPr/>
-          <a:lstStyle/>
-          <a:p>
-            <a:pPr marL="0" indent="0">
-              <a:buNone/>
-            </a:pPr>
-            <a:r>
-              <a:rPr lang="en-US"/>
-              <a:t>Giao diện trang thống kê</a:t>
-            </a:r>
-          </a:p>
-        </p:txBody>
-      </p:sp>
-      <p:sp>
-        <p:nvSpPr>
-          <p:cNvPr id="4" name="Slide Number Placeholder 3"/>
-          <p:cNvSpPr>
-            <a:spLocks noGrp="1"/>
-          </p:cNvSpPr>
-          <p:nvPr>
-            <p:ph type="sldNum" sz="quarter" idx="12"/>
-          </p:nvPr>
-        </p:nvSpPr>
-        <p:spPr/>
-        <p:txBody>
-          <a:bodyPr/>
-          <a:lstStyle/>
-          <a:p>
-            <a:pPr>
-              <a:defRPr/>
-            </a:pPr>
-            <a:fld id="{20CDDA0F-6228-4D21-A34F-D991946E76B9}" type="slidenum">
-              <a:rPr lang="en-US" altLang="en-US" smtClean="0"/>
-              <a:pPr>
-                <a:defRPr/>
-              </a:pPr>
-              <a:t>23</a:t>
-            </a:fld>
-            <a:endParaRPr lang="en-US" altLang="en-US"/>
-          </a:p>
-        </p:txBody>
-      </p:sp>
-      <p:pic>
-        <p:nvPicPr>
-          <p:cNvPr id="5" name="Picture 4"/>
-          <p:cNvPicPr>
-            <a:picLocks noChangeAspect="1"/>
-          </p:cNvPicPr>
-          <p:nvPr/>
-        </p:nvPicPr>
-        <p:blipFill>
-          <a:blip r:embed="rId3"/>
-          <a:stretch>
-            <a:fillRect/>
-          </a:stretch>
-        </p:blipFill>
-        <p:spPr>
-          <a:xfrm>
-            <a:off x="581891" y="2168130"/>
-            <a:ext cx="8203407" cy="3291772"/>
-          </a:xfrm>
-          <a:prstGeom prst="rect">
-            <a:avLst/>
-          </a:prstGeom>
-        </p:spPr>
-      </p:pic>
-    </p:spTree>
-    <p:extLst>
-      <p:ext uri="{BB962C8B-B14F-4D97-AF65-F5344CB8AC3E}">
-        <p14:creationId xmlns:p14="http://schemas.microsoft.com/office/powerpoint/2010/main" val="4094875777"/>
-      </p:ext>
-    </p:extLst>
-  </p:cSld>
-  <p:clrMapOvr>
-    <a:masterClrMapping/>
-  </p:clrMapOvr>
-</p:sld>
-</file>
-
 <file path=ppt/slides/slide24.xml><?xml version="1.0" encoding="utf-8"?>
 <p:sld xmlns:a="http://schemas.openxmlformats.org/drawingml/2006/main" xmlns:r="http://schemas.openxmlformats.org/officeDocument/2006/relationships" xmlns:p="http://schemas.openxmlformats.org/presentationml/2006/main">
   <p:cSld>
@@ -19515,8 +20145,8 @@
         </p:nvSpPr>
         <p:spPr>
           <a:xfrm>
-            <a:off x="609600" y="1371600"/>
-            <a:ext cx="8229600" cy="4953000"/>
+            <a:off x="609600" y="1447800"/>
+            <a:ext cx="8229600" cy="4876800"/>
           </a:xfrm>
         </p:spPr>
         <p:txBody>
@@ -19527,9 +20157,15 @@
               <a:buNone/>
             </a:pPr>
             <a:r>
-              <a:rPr lang="en-US"/>
-              <a:t>Giao diện trang thống kê</a:t>
-            </a:r>
+              <a:rPr lang="en-US" sz="2400"/>
+              <a:t>Giao diện trang xử lý vấn đề</a:t>
+            </a:r>
+          </a:p>
+          <a:p>
+            <a:pPr marL="0" indent="0">
+              <a:buNone/>
+            </a:pPr>
+            <a:endParaRPr lang="en-US" sz="2400"/>
           </a:p>
         </p:txBody>
       </p:sp>
@@ -19564,22 +20200,22 @@
       </p:sp>
       <p:pic>
         <p:nvPicPr>
-          <p:cNvPr id="6" name="Picture 5"/>
+          <p:cNvPr id="7" name="Picture 6"/>
           <p:cNvPicPr>
             <a:picLocks noChangeAspect="1"/>
           </p:cNvPicPr>
           <p:nvPr/>
         </p:nvPicPr>
         <p:blipFill>
-          <a:blip r:embed="rId3"/>
+          <a:blip r:embed="rId2"/>
           <a:stretch>
             <a:fillRect/>
           </a:stretch>
         </p:blipFill>
         <p:spPr>
           <a:xfrm>
-            <a:off x="609600" y="2167409"/>
-            <a:ext cx="8164635" cy="3148752"/>
+            <a:off x="609600" y="2194396"/>
+            <a:ext cx="8229600" cy="3420347"/>
           </a:xfrm>
           <a:prstGeom prst="rect">
             <a:avLst/>
@@ -19589,7 +20225,7 @@
     </p:spTree>
     <p:extLst>
       <p:ext uri="{BB962C8B-B14F-4D97-AF65-F5344CB8AC3E}">
-        <p14:creationId xmlns:p14="http://schemas.microsoft.com/office/powerpoint/2010/main" val="612014589"/>
+        <p14:creationId xmlns:p14="http://schemas.microsoft.com/office/powerpoint/2010/main" val="1362713616"/>
       </p:ext>
     </p:extLst>
   </p:cSld>
@@ -19632,18 +20268,9 @@
           <a:lstStyle/>
           <a:p>
             <a:r>
-              <a:rPr lang="en-US" err="1"/>
-              <a:t>Kiểm</a:t>
-            </a:r>
-            <a:r>
               <a:rPr lang="en-US"/>
-              <a:t> </a:t>
-            </a:r>
-            <a:r>
-              <a:rPr lang="en-US" err="1"/>
-              <a:t>định</a:t>
-            </a:r>
-            <a:endParaRPr lang="en-US"/>
+              <a:t>Kết quả</a:t>
+            </a:r>
           </a:p>
         </p:txBody>
       </p:sp>
@@ -19659,488 +20286,20 @@
         </p:nvSpPr>
         <p:spPr>
           <a:xfrm>
-            <a:off x="0" y="1633538"/>
-            <a:ext cx="9144000" cy="4462462"/>
+            <a:off x="609600" y="1371600"/>
+            <a:ext cx="8229600" cy="4953000"/>
           </a:xfrm>
         </p:spPr>
         <p:txBody>
           <a:bodyPr/>
           <a:lstStyle/>
           <a:p>
-            <a:pPr lvl="1">
-              <a:buFont typeface="Arial" panose="020B0604020202020204" pitchFamily="34" charset="0"/>
-              <a:buChar char="•"/>
+            <a:pPr marL="0" indent="0">
+              <a:buNone/>
             </a:pPr>
             <a:r>
-              <a:rPr lang="en-US" sz="2400">
-                <a:latin typeface="+mn-lt"/>
-              </a:rPr>
-              <a:t>Ứng dụng chạy </a:t>
-            </a:r>
-            <a:r>
-              <a:rPr lang="en-US" sz="2400" err="1">
-                <a:latin typeface="+mn-lt"/>
-              </a:rPr>
-              <a:t>tốt</a:t>
-            </a:r>
-            <a:r>
-              <a:rPr lang="en-US" sz="2400">
-                <a:latin typeface="+mn-lt"/>
-              </a:rPr>
-              <a:t> </a:t>
-            </a:r>
-            <a:r>
-              <a:rPr lang="en-US" sz="2400" err="1">
-                <a:latin typeface="+mn-lt"/>
-              </a:rPr>
-              <a:t>trên</a:t>
-            </a:r>
-            <a:r>
-              <a:rPr lang="en-US" sz="2400">
-                <a:latin typeface="+mn-lt"/>
-              </a:rPr>
-              <a:t> </a:t>
-            </a:r>
-            <a:r>
-              <a:rPr lang="en-US" sz="2400" err="1">
-                <a:latin typeface="+mn-lt"/>
-              </a:rPr>
-              <a:t>các</a:t>
-            </a:r>
-            <a:r>
-              <a:rPr lang="en-US" sz="2400">
-                <a:latin typeface="+mn-lt"/>
-              </a:rPr>
-              <a:t> </a:t>
-            </a:r>
-            <a:r>
-              <a:rPr lang="en-US" sz="2400" err="1">
-                <a:latin typeface="+mn-lt"/>
-              </a:rPr>
-              <a:t>trình</a:t>
-            </a:r>
-            <a:r>
-              <a:rPr lang="en-US" sz="2400">
-                <a:latin typeface="+mn-lt"/>
-              </a:rPr>
-              <a:t> </a:t>
-            </a:r>
-            <a:r>
-              <a:rPr lang="en-US" sz="2400" err="1">
-                <a:latin typeface="+mn-lt"/>
-              </a:rPr>
-              <a:t>duyệt</a:t>
-            </a:r>
-            <a:r>
-              <a:rPr lang="en-US" sz="2400">
-                <a:latin typeface="+mn-lt"/>
-              </a:rPr>
-              <a:t> web, Firefox 8.0 </a:t>
-            </a:r>
-            <a:r>
-              <a:rPr lang="en-US" sz="2400" err="1">
-                <a:latin typeface="+mn-lt"/>
-              </a:rPr>
-              <a:t>trở</a:t>
-            </a:r>
-            <a:r>
-              <a:rPr lang="en-US" sz="2400">
-                <a:latin typeface="+mn-lt"/>
-              </a:rPr>
-              <a:t> </a:t>
-            </a:r>
-            <a:r>
-              <a:rPr lang="en-US" sz="2400" err="1">
-                <a:latin typeface="+mn-lt"/>
-              </a:rPr>
-              <a:t>lên</a:t>
-            </a:r>
-            <a:r>
-              <a:rPr lang="en-US" sz="2400">
-                <a:latin typeface="+mn-lt"/>
-              </a:rPr>
-              <a:t>, Chrome </a:t>
-            </a:r>
-            <a:r>
-              <a:rPr lang="en-US" sz="2400" err="1">
-                <a:latin typeface="+mn-lt"/>
-              </a:rPr>
-              <a:t>và</a:t>
-            </a:r>
-            <a:r>
-              <a:rPr lang="en-US" sz="2400">
-                <a:latin typeface="+mn-lt"/>
-              </a:rPr>
-              <a:t> </a:t>
-            </a:r>
-            <a:r>
-              <a:rPr lang="en-US" sz="2400" err="1">
-                <a:latin typeface="+mn-lt"/>
-              </a:rPr>
-              <a:t>các</a:t>
-            </a:r>
-            <a:r>
-              <a:rPr lang="en-US" sz="2400">
-                <a:latin typeface="+mn-lt"/>
-              </a:rPr>
-              <a:t> </a:t>
-            </a:r>
-            <a:r>
-              <a:rPr lang="en-US" sz="2400" err="1">
-                <a:latin typeface="+mn-lt"/>
-              </a:rPr>
-              <a:t>trình</a:t>
-            </a:r>
-            <a:r>
-              <a:rPr lang="en-US" sz="2400">
-                <a:latin typeface="+mn-lt"/>
-              </a:rPr>
-              <a:t> </a:t>
-            </a:r>
-            <a:r>
-              <a:rPr lang="en-US" sz="2400" err="1">
-                <a:latin typeface="+mn-lt"/>
-              </a:rPr>
-              <a:t>duyệt</a:t>
-            </a:r>
-            <a:r>
-              <a:rPr lang="en-US" sz="2400">
-                <a:latin typeface="+mn-lt"/>
-              </a:rPr>
-              <a:t> </a:t>
-            </a:r>
-            <a:r>
-              <a:rPr lang="en-US" sz="2400" err="1">
-                <a:latin typeface="+mn-lt"/>
-              </a:rPr>
-              <a:t>khác</a:t>
-            </a:r>
-            <a:r>
-              <a:rPr lang="en-US" sz="2400">
-                <a:latin typeface="+mn-lt"/>
-              </a:rPr>
-              <a:t> </a:t>
-            </a:r>
-            <a:r>
-              <a:rPr lang="en-US" sz="2400" err="1">
-                <a:latin typeface="+mn-lt"/>
-              </a:rPr>
-              <a:t>hỗ</a:t>
-            </a:r>
-            <a:r>
-              <a:rPr lang="en-US" sz="2400">
-                <a:latin typeface="+mn-lt"/>
-              </a:rPr>
-              <a:t> </a:t>
-            </a:r>
-            <a:r>
-              <a:rPr lang="en-US" sz="2400" err="1">
-                <a:latin typeface="+mn-lt"/>
-              </a:rPr>
-              <a:t>trợ</a:t>
-            </a:r>
-            <a:r>
-              <a:rPr lang="en-US" sz="2400">
-                <a:latin typeface="+mn-lt"/>
-              </a:rPr>
-              <a:t> </a:t>
-            </a:r>
-            <a:r>
-              <a:rPr lang="en-US" sz="2400" err="1">
-                <a:latin typeface="+mn-lt"/>
-              </a:rPr>
-              <a:t>javascript</a:t>
-            </a:r>
-            <a:endParaRPr lang="en-US" sz="2400">
-              <a:latin typeface="+mn-lt"/>
-            </a:endParaRPr>
-          </a:p>
-          <a:p>
-            <a:pPr lvl="1">
-              <a:buFont typeface="Arial" panose="020B0604020202020204" pitchFamily="34" charset="0"/>
-              <a:buChar char="•"/>
-            </a:pPr>
-            <a:r>
-              <a:rPr lang="en-US" sz="2400" err="1">
-                <a:latin typeface="+mn-lt"/>
-              </a:rPr>
-              <a:t>Màu</a:t>
-            </a:r>
-            <a:r>
-              <a:rPr lang="en-US" sz="2400">
-                <a:latin typeface="+mn-lt"/>
-              </a:rPr>
-              <a:t> </a:t>
-            </a:r>
-            <a:r>
-              <a:rPr lang="en-US" sz="2400" err="1">
-                <a:latin typeface="+mn-lt"/>
-              </a:rPr>
-              <a:t>sắc</a:t>
-            </a:r>
-            <a:r>
-              <a:rPr lang="en-US" sz="2400">
-                <a:latin typeface="+mn-lt"/>
-              </a:rPr>
-              <a:t> </a:t>
-            </a:r>
-            <a:r>
-              <a:rPr lang="en-US" sz="2400" err="1">
-                <a:latin typeface="+mn-lt"/>
-              </a:rPr>
-              <a:t>thân</a:t>
-            </a:r>
-            <a:r>
-              <a:rPr lang="en-US" sz="2400">
-                <a:latin typeface="+mn-lt"/>
-              </a:rPr>
-              <a:t> </a:t>
-            </a:r>
-            <a:r>
-              <a:rPr lang="en-US" sz="2400" err="1">
-                <a:latin typeface="+mn-lt"/>
-              </a:rPr>
-              <a:t>thiện</a:t>
-            </a:r>
-            <a:r>
-              <a:rPr lang="en-US" sz="2400">
-                <a:latin typeface="+mn-lt"/>
-              </a:rPr>
-              <a:t>, </a:t>
-            </a:r>
-            <a:r>
-              <a:rPr lang="en-US" sz="2400" err="1">
-                <a:latin typeface="+mn-lt"/>
-              </a:rPr>
-              <a:t>hài</a:t>
-            </a:r>
-            <a:r>
-              <a:rPr lang="en-US" sz="2400">
-                <a:latin typeface="+mn-lt"/>
-              </a:rPr>
-              <a:t> </a:t>
-            </a:r>
-            <a:r>
-              <a:rPr lang="en-US" sz="2400" err="1">
-                <a:latin typeface="+mn-lt"/>
-              </a:rPr>
-              <a:t>hòa</a:t>
-            </a:r>
-            <a:endParaRPr lang="en-US" sz="2400">
-              <a:latin typeface="+mn-lt"/>
-            </a:endParaRPr>
-          </a:p>
-          <a:p>
-            <a:pPr lvl="1">
-              <a:buFont typeface="Arial" panose="020B0604020202020204" pitchFamily="34" charset="0"/>
-              <a:buChar char="•"/>
-            </a:pPr>
-            <a:r>
-              <a:rPr lang="en-US" sz="2400" err="1">
-                <a:latin typeface="+mn-lt"/>
-              </a:rPr>
-              <a:t>Dễ</a:t>
-            </a:r>
-            <a:r>
-              <a:rPr lang="en-US" sz="2400">
-                <a:latin typeface="+mn-lt"/>
-              </a:rPr>
-              <a:t> </a:t>
-            </a:r>
-            <a:r>
-              <a:rPr lang="en-US" sz="2400" err="1">
-                <a:latin typeface="+mn-lt"/>
-              </a:rPr>
-              <a:t>sử</a:t>
-            </a:r>
-            <a:r>
-              <a:rPr lang="en-US" sz="2400">
-                <a:latin typeface="+mn-lt"/>
-              </a:rPr>
-              <a:t> </a:t>
-            </a:r>
-            <a:r>
-              <a:rPr lang="en-US" sz="2400" err="1">
-                <a:latin typeface="+mn-lt"/>
-              </a:rPr>
-              <a:t>dụng</a:t>
-            </a:r>
-            <a:endParaRPr lang="en-US" sz="2400">
-              <a:latin typeface="+mn-lt"/>
-            </a:endParaRPr>
-          </a:p>
-          <a:p>
-            <a:pPr lvl="1">
-              <a:buFont typeface="Arial" panose="020B0604020202020204" pitchFamily="34" charset="0"/>
-              <a:buChar char="•"/>
-            </a:pPr>
-            <a:r>
-              <a:rPr lang="en-US" sz="2400" err="1">
-                <a:latin typeface="+mn-lt"/>
-              </a:rPr>
-              <a:t>Ứng</a:t>
-            </a:r>
-            <a:r>
-              <a:rPr lang="en-US" sz="2400">
-                <a:latin typeface="+mn-lt"/>
-              </a:rPr>
-              <a:t> </a:t>
-            </a:r>
-            <a:r>
-              <a:rPr lang="en-US" sz="2400" err="1">
-                <a:latin typeface="+mn-lt"/>
-              </a:rPr>
-              <a:t>dụng</a:t>
-            </a:r>
-            <a:r>
-              <a:rPr lang="en-US" sz="2400">
-                <a:latin typeface="+mn-lt"/>
-              </a:rPr>
-              <a:t> </a:t>
-            </a:r>
-            <a:r>
-              <a:rPr lang="en-US" sz="2400" err="1">
-                <a:latin typeface="+mn-lt"/>
-              </a:rPr>
-              <a:t>hiển</a:t>
-            </a:r>
-            <a:r>
-              <a:rPr lang="en-US" sz="2400">
-                <a:latin typeface="+mn-lt"/>
-              </a:rPr>
-              <a:t> </a:t>
-            </a:r>
-            <a:r>
-              <a:rPr lang="en-US" sz="2400" err="1">
-                <a:latin typeface="+mn-lt"/>
-              </a:rPr>
-              <a:t>thị</a:t>
-            </a:r>
-            <a:r>
-              <a:rPr lang="en-US" sz="2400">
-                <a:latin typeface="+mn-lt"/>
-              </a:rPr>
-              <a:t> </a:t>
-            </a:r>
-            <a:r>
-              <a:rPr lang="en-US" sz="2400" err="1">
-                <a:latin typeface="+mn-lt"/>
-              </a:rPr>
-              <a:t>được</a:t>
-            </a:r>
-            <a:r>
-              <a:rPr lang="en-US" sz="2400">
-                <a:latin typeface="+mn-lt"/>
-              </a:rPr>
-              <a:t> </a:t>
-            </a:r>
-            <a:r>
-              <a:rPr lang="en-US" sz="2400" err="1">
-                <a:latin typeface="+mn-lt"/>
-              </a:rPr>
-              <a:t>trên</a:t>
-            </a:r>
-            <a:r>
-              <a:rPr lang="en-US" sz="2400">
-                <a:latin typeface="+mn-lt"/>
-              </a:rPr>
-              <a:t> </a:t>
-            </a:r>
-            <a:r>
-              <a:rPr lang="en-US" sz="2400" err="1">
-                <a:latin typeface="+mn-lt"/>
-              </a:rPr>
-              <a:t>các</a:t>
-            </a:r>
-            <a:r>
-              <a:rPr lang="en-US" sz="2400">
-                <a:latin typeface="+mn-lt"/>
-              </a:rPr>
-              <a:t> </a:t>
-            </a:r>
-            <a:r>
-              <a:rPr lang="en-US" sz="2400" err="1">
-                <a:latin typeface="+mn-lt"/>
-              </a:rPr>
-              <a:t>thiết</a:t>
-            </a:r>
-            <a:r>
-              <a:rPr lang="en-US" sz="2400">
-                <a:latin typeface="+mn-lt"/>
-              </a:rPr>
-              <a:t> </a:t>
-            </a:r>
-            <a:r>
-              <a:rPr lang="en-US" sz="2400" err="1">
-                <a:latin typeface="+mn-lt"/>
-              </a:rPr>
-              <a:t>bị</a:t>
-            </a:r>
-            <a:r>
-              <a:rPr lang="en-US" sz="2400">
-                <a:latin typeface="+mn-lt"/>
-              </a:rPr>
-              <a:t>  </a:t>
-            </a:r>
-            <a:r>
-              <a:rPr lang="en-US" sz="2400" err="1">
-                <a:latin typeface="+mn-lt"/>
-              </a:rPr>
-              <a:t>như</a:t>
-            </a:r>
-            <a:r>
-              <a:rPr lang="en-US" sz="2400">
-                <a:latin typeface="+mn-lt"/>
-              </a:rPr>
-              <a:t> di </a:t>
-            </a:r>
-            <a:r>
-              <a:rPr lang="en-US" sz="2400" err="1">
-                <a:latin typeface="+mn-lt"/>
-              </a:rPr>
-              <a:t>động</a:t>
-            </a:r>
-            <a:r>
-              <a:rPr lang="en-US" sz="2400">
-                <a:latin typeface="+mn-lt"/>
-              </a:rPr>
-              <a:t>, </a:t>
-            </a:r>
-            <a:r>
-              <a:rPr lang="en-US" sz="2400" err="1">
-                <a:latin typeface="+mn-lt"/>
-              </a:rPr>
-              <a:t>máy</a:t>
-            </a:r>
-            <a:r>
-              <a:rPr lang="en-US" sz="2400">
-                <a:latin typeface="+mn-lt"/>
-              </a:rPr>
-              <a:t> </a:t>
-            </a:r>
-            <a:r>
-              <a:rPr lang="en-US" sz="2400" err="1">
-                <a:latin typeface="+mn-lt"/>
-              </a:rPr>
-              <a:t>tính</a:t>
-            </a:r>
-            <a:r>
-              <a:rPr lang="en-US" sz="2400">
-                <a:latin typeface="+mn-lt"/>
-              </a:rPr>
-              <a:t> </a:t>
-            </a:r>
-            <a:r>
-              <a:rPr lang="en-US" sz="2400" err="1">
-                <a:latin typeface="+mn-lt"/>
-              </a:rPr>
-              <a:t>bảng</a:t>
-            </a:r>
-            <a:r>
-              <a:rPr lang="en-US" sz="2400">
-                <a:latin typeface="+mn-lt"/>
-              </a:rPr>
-              <a:t>…</a:t>
+              <a:rPr lang="en-US"/>
+              <a:t>Giao diện trang thống kê</a:t>
             </a:r>
           </a:p>
         </p:txBody>
@@ -20174,10 +20333,34 @@
           </a:p>
         </p:txBody>
       </p:sp>
+      <p:pic>
+        <p:nvPicPr>
+          <p:cNvPr id="5" name="Picture 4"/>
+          <p:cNvPicPr>
+            <a:picLocks noChangeAspect="1"/>
+          </p:cNvPicPr>
+          <p:nvPr/>
+        </p:nvPicPr>
+        <p:blipFill>
+          <a:blip r:embed="rId3"/>
+          <a:stretch>
+            <a:fillRect/>
+          </a:stretch>
+        </p:blipFill>
+        <p:spPr>
+          <a:xfrm>
+            <a:off x="581891" y="2168130"/>
+            <a:ext cx="8203407" cy="3291772"/>
+          </a:xfrm>
+          <a:prstGeom prst="rect">
+            <a:avLst/>
+          </a:prstGeom>
+        </p:spPr>
+      </p:pic>
     </p:spTree>
     <p:extLst>
       <p:ext uri="{BB962C8B-B14F-4D97-AF65-F5344CB8AC3E}">
-        <p14:creationId xmlns:p14="http://schemas.microsoft.com/office/powerpoint/2010/main" val="3447804903"/>
+        <p14:creationId xmlns:p14="http://schemas.microsoft.com/office/powerpoint/2010/main" val="4094875777"/>
       </p:ext>
     </p:extLst>
   </p:cSld>
@@ -20214,6 +20397,729 @@
             <p:ph type="title"/>
           </p:nvPr>
         </p:nvSpPr>
+        <p:spPr/>
+        <p:txBody>
+          <a:bodyPr/>
+          <a:lstStyle/>
+          <a:p>
+            <a:r>
+              <a:rPr lang="en-US"/>
+              <a:t>Kết quả</a:t>
+            </a:r>
+          </a:p>
+        </p:txBody>
+      </p:sp>
+      <p:sp>
+        <p:nvSpPr>
+          <p:cNvPr id="3" name="Content Placeholder 2"/>
+          <p:cNvSpPr>
+            <a:spLocks noGrp="1"/>
+          </p:cNvSpPr>
+          <p:nvPr>
+            <p:ph idx="1"/>
+          </p:nvPr>
+        </p:nvSpPr>
+        <p:spPr>
+          <a:xfrm>
+            <a:off x="609600" y="1371600"/>
+            <a:ext cx="8229600" cy="4953000"/>
+          </a:xfrm>
+        </p:spPr>
+        <p:txBody>
+          <a:bodyPr/>
+          <a:lstStyle/>
+          <a:p>
+            <a:pPr marL="0" indent="0">
+              <a:buNone/>
+            </a:pPr>
+            <a:r>
+              <a:rPr lang="en-US"/>
+              <a:t>Giao diện trang thống kê</a:t>
+            </a:r>
+          </a:p>
+        </p:txBody>
+      </p:sp>
+      <p:sp>
+        <p:nvSpPr>
+          <p:cNvPr id="4" name="Slide Number Placeholder 3"/>
+          <p:cNvSpPr>
+            <a:spLocks noGrp="1"/>
+          </p:cNvSpPr>
+          <p:nvPr>
+            <p:ph type="sldNum" sz="quarter" idx="12"/>
+          </p:nvPr>
+        </p:nvSpPr>
+        <p:spPr/>
+        <p:txBody>
+          <a:bodyPr/>
+          <a:lstStyle/>
+          <a:p>
+            <a:pPr>
+              <a:defRPr/>
+            </a:pPr>
+            <a:fld id="{20CDDA0F-6228-4D21-A34F-D991946E76B9}" type="slidenum">
+              <a:rPr lang="en-US" altLang="en-US" smtClean="0"/>
+              <a:pPr>
+                <a:defRPr/>
+              </a:pPr>
+              <a:t>26</a:t>
+            </a:fld>
+            <a:endParaRPr lang="en-US" altLang="en-US"/>
+          </a:p>
+        </p:txBody>
+      </p:sp>
+      <p:pic>
+        <p:nvPicPr>
+          <p:cNvPr id="6" name="Picture 5"/>
+          <p:cNvPicPr>
+            <a:picLocks noChangeAspect="1"/>
+          </p:cNvPicPr>
+          <p:nvPr/>
+        </p:nvPicPr>
+        <p:blipFill>
+          <a:blip r:embed="rId3"/>
+          <a:stretch>
+            <a:fillRect/>
+          </a:stretch>
+        </p:blipFill>
+        <p:spPr>
+          <a:xfrm>
+            <a:off x="609600" y="2167409"/>
+            <a:ext cx="8164635" cy="3148752"/>
+          </a:xfrm>
+          <a:prstGeom prst="rect">
+            <a:avLst/>
+          </a:prstGeom>
+        </p:spPr>
+      </p:pic>
+    </p:spTree>
+    <p:extLst>
+      <p:ext uri="{BB962C8B-B14F-4D97-AF65-F5344CB8AC3E}">
+        <p14:creationId xmlns:p14="http://schemas.microsoft.com/office/powerpoint/2010/main" val="612014589"/>
+      </p:ext>
+    </p:extLst>
+  </p:cSld>
+  <p:clrMapOvr>
+    <a:masterClrMapping/>
+  </p:clrMapOvr>
+</p:sld>
+</file>
+
+<file path=ppt/slides/slide27.xml><?xml version="1.0" encoding="utf-8"?>
+<p:sld xmlns:a="http://schemas.openxmlformats.org/drawingml/2006/main" xmlns:r="http://schemas.openxmlformats.org/officeDocument/2006/relationships" xmlns:p="http://schemas.openxmlformats.org/presentationml/2006/main">
+  <p:cSld>
+    <p:spTree>
+      <p:nvGrpSpPr>
+        <p:cNvPr id="1" name=""/>
+        <p:cNvGrpSpPr/>
+        <p:nvPr/>
+      </p:nvGrpSpPr>
+      <p:grpSpPr>
+        <a:xfrm>
+          <a:off x="0" y="0"/>
+          <a:ext cx="0" cy="0"/>
+          <a:chOff x="0" y="0"/>
+          <a:chExt cx="0" cy="0"/>
+        </a:xfrm>
+      </p:grpSpPr>
+      <p:sp>
+        <p:nvSpPr>
+          <p:cNvPr id="2" name="Title 1"/>
+          <p:cNvSpPr>
+            <a:spLocks noGrp="1"/>
+          </p:cNvSpPr>
+          <p:nvPr>
+            <p:ph type="title"/>
+          </p:nvPr>
+        </p:nvSpPr>
+        <p:spPr/>
+        <p:txBody>
+          <a:bodyPr/>
+          <a:lstStyle/>
+          <a:p>
+            <a:r>
+              <a:rPr lang="en-US" err="1"/>
+              <a:t>Kiểm</a:t>
+            </a:r>
+            <a:r>
+              <a:rPr lang="en-US"/>
+              <a:t> </a:t>
+            </a:r>
+            <a:r>
+              <a:rPr lang="en-US" err="1"/>
+              <a:t>định</a:t>
+            </a:r>
+            <a:endParaRPr lang="en-US"/>
+          </a:p>
+        </p:txBody>
+      </p:sp>
+      <p:sp>
+        <p:nvSpPr>
+          <p:cNvPr id="3" name="Content Placeholder 2"/>
+          <p:cNvSpPr>
+            <a:spLocks noGrp="1"/>
+          </p:cNvSpPr>
+          <p:nvPr>
+            <p:ph idx="1"/>
+          </p:nvPr>
+        </p:nvSpPr>
+        <p:spPr>
+          <a:xfrm>
+            <a:off x="0" y="1633538"/>
+            <a:ext cx="9144000" cy="4462462"/>
+          </a:xfrm>
+        </p:spPr>
+        <p:txBody>
+          <a:bodyPr/>
+          <a:lstStyle/>
+          <a:p>
+            <a:pPr lvl="1">
+              <a:buFont typeface="Arial" panose="020B0604020202020204" pitchFamily="34" charset="0"/>
+              <a:buChar char="•"/>
+            </a:pPr>
+            <a:r>
+              <a:rPr lang="en-US" sz="2400">
+                <a:latin typeface="+mn-lt"/>
+              </a:rPr>
+              <a:t>Ứng dụng chạy </a:t>
+            </a:r>
+            <a:r>
+              <a:rPr lang="en-US" sz="2400" err="1">
+                <a:latin typeface="+mn-lt"/>
+              </a:rPr>
+              <a:t>tốt</a:t>
+            </a:r>
+            <a:r>
+              <a:rPr lang="en-US" sz="2400">
+                <a:latin typeface="+mn-lt"/>
+              </a:rPr>
+              <a:t> </a:t>
+            </a:r>
+            <a:r>
+              <a:rPr lang="en-US" sz="2400" err="1">
+                <a:latin typeface="+mn-lt"/>
+              </a:rPr>
+              <a:t>trên</a:t>
+            </a:r>
+            <a:r>
+              <a:rPr lang="en-US" sz="2400">
+                <a:latin typeface="+mn-lt"/>
+              </a:rPr>
+              <a:t> </a:t>
+            </a:r>
+            <a:r>
+              <a:rPr lang="en-US" sz="2400" err="1">
+                <a:latin typeface="+mn-lt"/>
+              </a:rPr>
+              <a:t>các</a:t>
+            </a:r>
+            <a:r>
+              <a:rPr lang="en-US" sz="2400">
+                <a:latin typeface="+mn-lt"/>
+              </a:rPr>
+              <a:t> </a:t>
+            </a:r>
+            <a:r>
+              <a:rPr lang="en-US" sz="2400" err="1">
+                <a:latin typeface="+mn-lt"/>
+              </a:rPr>
+              <a:t>trình</a:t>
+            </a:r>
+            <a:r>
+              <a:rPr lang="en-US" sz="2400">
+                <a:latin typeface="+mn-lt"/>
+              </a:rPr>
+              <a:t> </a:t>
+            </a:r>
+            <a:r>
+              <a:rPr lang="en-US" sz="2400" err="1">
+                <a:latin typeface="+mn-lt"/>
+              </a:rPr>
+              <a:t>duyệt</a:t>
+            </a:r>
+            <a:r>
+              <a:rPr lang="en-US" sz="2400">
+                <a:latin typeface="+mn-lt"/>
+              </a:rPr>
+              <a:t> web, Firefox 8.0 </a:t>
+            </a:r>
+            <a:r>
+              <a:rPr lang="en-US" sz="2400" err="1">
+                <a:latin typeface="+mn-lt"/>
+              </a:rPr>
+              <a:t>trở</a:t>
+            </a:r>
+            <a:r>
+              <a:rPr lang="en-US" sz="2400">
+                <a:latin typeface="+mn-lt"/>
+              </a:rPr>
+              <a:t> </a:t>
+            </a:r>
+            <a:r>
+              <a:rPr lang="en-US" sz="2400" err="1">
+                <a:latin typeface="+mn-lt"/>
+              </a:rPr>
+              <a:t>lên</a:t>
+            </a:r>
+            <a:r>
+              <a:rPr lang="en-US" sz="2400">
+                <a:latin typeface="+mn-lt"/>
+              </a:rPr>
+              <a:t>, Chrome </a:t>
+            </a:r>
+            <a:r>
+              <a:rPr lang="en-US" sz="2400" err="1">
+                <a:latin typeface="+mn-lt"/>
+              </a:rPr>
+              <a:t>và</a:t>
+            </a:r>
+            <a:r>
+              <a:rPr lang="en-US" sz="2400">
+                <a:latin typeface="+mn-lt"/>
+              </a:rPr>
+              <a:t> </a:t>
+            </a:r>
+            <a:r>
+              <a:rPr lang="en-US" sz="2400" err="1">
+                <a:latin typeface="+mn-lt"/>
+              </a:rPr>
+              <a:t>các</a:t>
+            </a:r>
+            <a:r>
+              <a:rPr lang="en-US" sz="2400">
+                <a:latin typeface="+mn-lt"/>
+              </a:rPr>
+              <a:t> </a:t>
+            </a:r>
+            <a:r>
+              <a:rPr lang="en-US" sz="2400" err="1">
+                <a:latin typeface="+mn-lt"/>
+              </a:rPr>
+              <a:t>trình</a:t>
+            </a:r>
+            <a:r>
+              <a:rPr lang="en-US" sz="2400">
+                <a:latin typeface="+mn-lt"/>
+              </a:rPr>
+              <a:t> </a:t>
+            </a:r>
+            <a:r>
+              <a:rPr lang="en-US" sz="2400" err="1">
+                <a:latin typeface="+mn-lt"/>
+              </a:rPr>
+              <a:t>duyệt</a:t>
+            </a:r>
+            <a:r>
+              <a:rPr lang="en-US" sz="2400">
+                <a:latin typeface="+mn-lt"/>
+              </a:rPr>
+              <a:t> </a:t>
+            </a:r>
+            <a:r>
+              <a:rPr lang="en-US" sz="2400" err="1">
+                <a:latin typeface="+mn-lt"/>
+              </a:rPr>
+              <a:t>khác</a:t>
+            </a:r>
+            <a:r>
+              <a:rPr lang="en-US" sz="2400">
+                <a:latin typeface="+mn-lt"/>
+              </a:rPr>
+              <a:t> </a:t>
+            </a:r>
+            <a:r>
+              <a:rPr lang="en-US" sz="2400" err="1">
+                <a:latin typeface="+mn-lt"/>
+              </a:rPr>
+              <a:t>hỗ</a:t>
+            </a:r>
+            <a:r>
+              <a:rPr lang="en-US" sz="2400">
+                <a:latin typeface="+mn-lt"/>
+              </a:rPr>
+              <a:t> </a:t>
+            </a:r>
+            <a:r>
+              <a:rPr lang="en-US" sz="2400" err="1">
+                <a:latin typeface="+mn-lt"/>
+              </a:rPr>
+              <a:t>trợ</a:t>
+            </a:r>
+            <a:r>
+              <a:rPr lang="en-US" sz="2400">
+                <a:latin typeface="+mn-lt"/>
+              </a:rPr>
+              <a:t> </a:t>
+            </a:r>
+            <a:r>
+              <a:rPr lang="en-US" sz="2400" err="1">
+                <a:latin typeface="+mn-lt"/>
+              </a:rPr>
+              <a:t>javascript</a:t>
+            </a:r>
+            <a:endParaRPr lang="en-US" sz="2400">
+              <a:latin typeface="+mn-lt"/>
+            </a:endParaRPr>
+          </a:p>
+          <a:p>
+            <a:pPr lvl="1">
+              <a:buFont typeface="Arial" panose="020B0604020202020204" pitchFamily="34" charset="0"/>
+              <a:buChar char="•"/>
+            </a:pPr>
+            <a:r>
+              <a:rPr lang="en-US" sz="2400" err="1">
+                <a:latin typeface="+mn-lt"/>
+              </a:rPr>
+              <a:t>Màu</a:t>
+            </a:r>
+            <a:r>
+              <a:rPr lang="en-US" sz="2400">
+                <a:latin typeface="+mn-lt"/>
+              </a:rPr>
+              <a:t> </a:t>
+            </a:r>
+            <a:r>
+              <a:rPr lang="en-US" sz="2400" err="1">
+                <a:latin typeface="+mn-lt"/>
+              </a:rPr>
+              <a:t>sắc</a:t>
+            </a:r>
+            <a:r>
+              <a:rPr lang="en-US" sz="2400">
+                <a:latin typeface="+mn-lt"/>
+              </a:rPr>
+              <a:t> </a:t>
+            </a:r>
+            <a:r>
+              <a:rPr lang="en-US" sz="2400" err="1">
+                <a:latin typeface="+mn-lt"/>
+              </a:rPr>
+              <a:t>thân</a:t>
+            </a:r>
+            <a:r>
+              <a:rPr lang="en-US" sz="2400">
+                <a:latin typeface="+mn-lt"/>
+              </a:rPr>
+              <a:t> </a:t>
+            </a:r>
+            <a:r>
+              <a:rPr lang="en-US" sz="2400" err="1">
+                <a:latin typeface="+mn-lt"/>
+              </a:rPr>
+              <a:t>thiện</a:t>
+            </a:r>
+            <a:r>
+              <a:rPr lang="en-US" sz="2400">
+                <a:latin typeface="+mn-lt"/>
+              </a:rPr>
+              <a:t>, </a:t>
+            </a:r>
+            <a:r>
+              <a:rPr lang="en-US" sz="2400" err="1">
+                <a:latin typeface="+mn-lt"/>
+              </a:rPr>
+              <a:t>hài</a:t>
+            </a:r>
+            <a:r>
+              <a:rPr lang="en-US" sz="2400">
+                <a:latin typeface="+mn-lt"/>
+              </a:rPr>
+              <a:t> </a:t>
+            </a:r>
+            <a:r>
+              <a:rPr lang="en-US" sz="2400" err="1">
+                <a:latin typeface="+mn-lt"/>
+              </a:rPr>
+              <a:t>hòa</a:t>
+            </a:r>
+            <a:endParaRPr lang="en-US" sz="2400">
+              <a:latin typeface="+mn-lt"/>
+            </a:endParaRPr>
+          </a:p>
+          <a:p>
+            <a:pPr lvl="1">
+              <a:buFont typeface="Arial" panose="020B0604020202020204" pitchFamily="34" charset="0"/>
+              <a:buChar char="•"/>
+            </a:pPr>
+            <a:r>
+              <a:rPr lang="en-US" sz="2400" err="1">
+                <a:latin typeface="+mn-lt"/>
+              </a:rPr>
+              <a:t>Dễ</a:t>
+            </a:r>
+            <a:r>
+              <a:rPr lang="en-US" sz="2400">
+                <a:latin typeface="+mn-lt"/>
+              </a:rPr>
+              <a:t> </a:t>
+            </a:r>
+            <a:r>
+              <a:rPr lang="en-US" sz="2400" err="1">
+                <a:latin typeface="+mn-lt"/>
+              </a:rPr>
+              <a:t>sử</a:t>
+            </a:r>
+            <a:r>
+              <a:rPr lang="en-US" sz="2400">
+                <a:latin typeface="+mn-lt"/>
+              </a:rPr>
+              <a:t> </a:t>
+            </a:r>
+            <a:r>
+              <a:rPr lang="en-US" sz="2400" err="1">
+                <a:latin typeface="+mn-lt"/>
+              </a:rPr>
+              <a:t>dụng</a:t>
+            </a:r>
+            <a:endParaRPr lang="en-US" sz="2400">
+              <a:latin typeface="+mn-lt"/>
+            </a:endParaRPr>
+          </a:p>
+          <a:p>
+            <a:pPr lvl="1">
+              <a:buFont typeface="Arial" panose="020B0604020202020204" pitchFamily="34" charset="0"/>
+              <a:buChar char="•"/>
+            </a:pPr>
+            <a:r>
+              <a:rPr lang="en-US" sz="2400" err="1">
+                <a:latin typeface="+mn-lt"/>
+              </a:rPr>
+              <a:t>Ứng</a:t>
+            </a:r>
+            <a:r>
+              <a:rPr lang="en-US" sz="2400">
+                <a:latin typeface="+mn-lt"/>
+              </a:rPr>
+              <a:t> </a:t>
+            </a:r>
+            <a:r>
+              <a:rPr lang="en-US" sz="2400" err="1">
+                <a:latin typeface="+mn-lt"/>
+              </a:rPr>
+              <a:t>dụng</a:t>
+            </a:r>
+            <a:r>
+              <a:rPr lang="en-US" sz="2400">
+                <a:latin typeface="+mn-lt"/>
+              </a:rPr>
+              <a:t> </a:t>
+            </a:r>
+            <a:r>
+              <a:rPr lang="en-US" sz="2400" err="1">
+                <a:latin typeface="+mn-lt"/>
+              </a:rPr>
+              <a:t>hiển</a:t>
+            </a:r>
+            <a:r>
+              <a:rPr lang="en-US" sz="2400">
+                <a:latin typeface="+mn-lt"/>
+              </a:rPr>
+              <a:t> </a:t>
+            </a:r>
+            <a:r>
+              <a:rPr lang="en-US" sz="2400" err="1">
+                <a:latin typeface="+mn-lt"/>
+              </a:rPr>
+              <a:t>thị</a:t>
+            </a:r>
+            <a:r>
+              <a:rPr lang="en-US" sz="2400">
+                <a:latin typeface="+mn-lt"/>
+              </a:rPr>
+              <a:t> </a:t>
+            </a:r>
+            <a:r>
+              <a:rPr lang="en-US" sz="2400" err="1">
+                <a:latin typeface="+mn-lt"/>
+              </a:rPr>
+              <a:t>được</a:t>
+            </a:r>
+            <a:r>
+              <a:rPr lang="en-US" sz="2400">
+                <a:latin typeface="+mn-lt"/>
+              </a:rPr>
+              <a:t> </a:t>
+            </a:r>
+            <a:r>
+              <a:rPr lang="en-US" sz="2400" err="1">
+                <a:latin typeface="+mn-lt"/>
+              </a:rPr>
+              <a:t>trên</a:t>
+            </a:r>
+            <a:r>
+              <a:rPr lang="en-US" sz="2400">
+                <a:latin typeface="+mn-lt"/>
+              </a:rPr>
+              <a:t> </a:t>
+            </a:r>
+            <a:r>
+              <a:rPr lang="en-US" sz="2400" err="1">
+                <a:latin typeface="+mn-lt"/>
+              </a:rPr>
+              <a:t>các</a:t>
+            </a:r>
+            <a:r>
+              <a:rPr lang="en-US" sz="2400">
+                <a:latin typeface="+mn-lt"/>
+              </a:rPr>
+              <a:t> </a:t>
+            </a:r>
+            <a:r>
+              <a:rPr lang="en-US" sz="2400" err="1">
+                <a:latin typeface="+mn-lt"/>
+              </a:rPr>
+              <a:t>thiết</a:t>
+            </a:r>
+            <a:r>
+              <a:rPr lang="en-US" sz="2400">
+                <a:latin typeface="+mn-lt"/>
+              </a:rPr>
+              <a:t> </a:t>
+            </a:r>
+            <a:r>
+              <a:rPr lang="en-US" sz="2400" err="1">
+                <a:latin typeface="+mn-lt"/>
+              </a:rPr>
+              <a:t>bị</a:t>
+            </a:r>
+            <a:r>
+              <a:rPr lang="en-US" sz="2400">
+                <a:latin typeface="+mn-lt"/>
+              </a:rPr>
+              <a:t>  </a:t>
+            </a:r>
+            <a:r>
+              <a:rPr lang="en-US" sz="2400" err="1">
+                <a:latin typeface="+mn-lt"/>
+              </a:rPr>
+              <a:t>như</a:t>
+            </a:r>
+            <a:r>
+              <a:rPr lang="en-US" sz="2400">
+                <a:latin typeface="+mn-lt"/>
+              </a:rPr>
+              <a:t> di </a:t>
+            </a:r>
+            <a:r>
+              <a:rPr lang="en-US" sz="2400" err="1">
+                <a:latin typeface="+mn-lt"/>
+              </a:rPr>
+              <a:t>động</a:t>
+            </a:r>
+            <a:r>
+              <a:rPr lang="en-US" sz="2400">
+                <a:latin typeface="+mn-lt"/>
+              </a:rPr>
+              <a:t>, </a:t>
+            </a:r>
+            <a:r>
+              <a:rPr lang="en-US" sz="2400" err="1">
+                <a:latin typeface="+mn-lt"/>
+              </a:rPr>
+              <a:t>máy</a:t>
+            </a:r>
+            <a:r>
+              <a:rPr lang="en-US" sz="2400">
+                <a:latin typeface="+mn-lt"/>
+              </a:rPr>
+              <a:t> </a:t>
+            </a:r>
+            <a:r>
+              <a:rPr lang="en-US" sz="2400" err="1">
+                <a:latin typeface="+mn-lt"/>
+              </a:rPr>
+              <a:t>tính</a:t>
+            </a:r>
+            <a:r>
+              <a:rPr lang="en-US" sz="2400">
+                <a:latin typeface="+mn-lt"/>
+              </a:rPr>
+              <a:t> </a:t>
+            </a:r>
+            <a:r>
+              <a:rPr lang="en-US" sz="2400" err="1">
+                <a:latin typeface="+mn-lt"/>
+              </a:rPr>
+              <a:t>bảng</a:t>
+            </a:r>
+            <a:r>
+              <a:rPr lang="en-US" sz="2400">
+                <a:latin typeface="+mn-lt"/>
+              </a:rPr>
+              <a:t>…</a:t>
+            </a:r>
+          </a:p>
+        </p:txBody>
+      </p:sp>
+      <p:sp>
+        <p:nvSpPr>
+          <p:cNvPr id="4" name="Slide Number Placeholder 3"/>
+          <p:cNvSpPr>
+            <a:spLocks noGrp="1"/>
+          </p:cNvSpPr>
+          <p:nvPr>
+            <p:ph type="sldNum" sz="quarter" idx="12"/>
+          </p:nvPr>
+        </p:nvSpPr>
+        <p:spPr/>
+        <p:txBody>
+          <a:bodyPr/>
+          <a:lstStyle/>
+          <a:p>
+            <a:pPr>
+              <a:defRPr/>
+            </a:pPr>
+            <a:fld id="{20CDDA0F-6228-4D21-A34F-D991946E76B9}" type="slidenum">
+              <a:rPr lang="en-US" altLang="en-US" smtClean="0"/>
+              <a:pPr>
+                <a:defRPr/>
+              </a:pPr>
+              <a:t>27</a:t>
+            </a:fld>
+            <a:endParaRPr lang="en-US" altLang="en-US"/>
+          </a:p>
+        </p:txBody>
+      </p:sp>
+    </p:spTree>
+    <p:extLst>
+      <p:ext uri="{BB962C8B-B14F-4D97-AF65-F5344CB8AC3E}">
+        <p14:creationId xmlns:p14="http://schemas.microsoft.com/office/powerpoint/2010/main" val="3447804903"/>
+      </p:ext>
+    </p:extLst>
+  </p:cSld>
+  <p:clrMapOvr>
+    <a:masterClrMapping/>
+  </p:clrMapOvr>
+</p:sld>
+</file>
+
+<file path=ppt/slides/slide28.xml><?xml version="1.0" encoding="utf-8"?>
+<p:sld xmlns:a="http://schemas.openxmlformats.org/drawingml/2006/main" xmlns:r="http://schemas.openxmlformats.org/officeDocument/2006/relationships" xmlns:p="http://schemas.openxmlformats.org/presentationml/2006/main">
+  <p:cSld>
+    <p:spTree>
+      <p:nvGrpSpPr>
+        <p:cNvPr id="1" name=""/>
+        <p:cNvGrpSpPr/>
+        <p:nvPr/>
+      </p:nvGrpSpPr>
+      <p:grpSpPr>
+        <a:xfrm>
+          <a:off x="0" y="0"/>
+          <a:ext cx="0" cy="0"/>
+          <a:chOff x="0" y="0"/>
+          <a:chExt cx="0" cy="0"/>
+        </a:xfrm>
+      </p:grpSpPr>
+      <p:sp>
+        <p:nvSpPr>
+          <p:cNvPr id="2" name="Title 1"/>
+          <p:cNvSpPr>
+            <a:spLocks noGrp="1"/>
+          </p:cNvSpPr>
+          <p:nvPr>
+            <p:ph type="title"/>
+          </p:nvPr>
+        </p:nvSpPr>
         <p:spPr>
           <a:xfrm>
             <a:off x="1752600" y="282575"/>
@@ -20686,7 +21592,7 @@
               <a:pPr>
                 <a:defRPr/>
               </a:pPr>
-              <a:t>26</a:t>
+              <a:t>28</a:t>
             </a:fld>
             <a:endParaRPr lang="en-US" altLang="en-US"/>
           </a:p>
@@ -21184,7 +22090,7 @@
 </p:sld>
 </file>
 
-<file path=ppt/slides/slide27.xml><?xml version="1.0" encoding="utf-8"?>
+<file path=ppt/slides/slide29.xml><?xml version="1.0" encoding="utf-8"?>
 <p:sld xmlns:a="http://schemas.openxmlformats.org/drawingml/2006/main" xmlns:r="http://schemas.openxmlformats.org/officeDocument/2006/relationships" xmlns:p="http://schemas.openxmlformats.org/presentationml/2006/main">
   <p:cSld>
     <p:spTree>
@@ -21745,7 +22651,7 @@
               <a:pPr>
                 <a:defRPr/>
               </a:pPr>
-              <a:t>27</a:t>
+              <a:t>29</a:t>
             </a:fld>
             <a:endParaRPr lang="en-US" altLang="en-US"/>
           </a:p>
@@ -22041,7 +22947,230 @@
 </p:sld>
 </file>
 
-<file path=ppt/slides/slide28.xml><?xml version="1.0" encoding="utf-8"?>
+<file path=ppt/slides/slide3.xml><?xml version="1.0" encoding="utf-8"?>
+<p:sld xmlns:a="http://schemas.openxmlformats.org/drawingml/2006/main" xmlns:r="http://schemas.openxmlformats.org/officeDocument/2006/relationships" xmlns:p="http://schemas.openxmlformats.org/presentationml/2006/main">
+  <p:cSld>
+    <p:spTree>
+      <p:nvGrpSpPr>
+        <p:cNvPr id="1" name=""/>
+        <p:cNvGrpSpPr/>
+        <p:nvPr/>
+      </p:nvGrpSpPr>
+      <p:grpSpPr>
+        <a:xfrm>
+          <a:off x="0" y="0"/>
+          <a:ext cx="0" cy="0"/>
+          <a:chOff x="0" y="0"/>
+          <a:chExt cx="0" cy="0"/>
+        </a:xfrm>
+      </p:grpSpPr>
+      <p:sp>
+        <p:nvSpPr>
+          <p:cNvPr id="2" name="Title 1"/>
+          <p:cNvSpPr>
+            <a:spLocks noGrp="1"/>
+          </p:cNvSpPr>
+          <p:nvPr>
+            <p:ph type="title"/>
+          </p:nvPr>
+        </p:nvSpPr>
+        <p:spPr/>
+        <p:txBody>
+          <a:bodyPr/>
+          <a:lstStyle/>
+          <a:p>
+            <a:pPr algn="ctr"/>
+            <a:r>
+              <a:rPr lang="en-US"/>
+              <a:t>ĐẶT VẤN ĐỀ</a:t>
+            </a:r>
+          </a:p>
+        </p:txBody>
+      </p:sp>
+      <p:sp>
+        <p:nvSpPr>
+          <p:cNvPr id="3" name="Slide Number Placeholder 2"/>
+          <p:cNvSpPr>
+            <a:spLocks noGrp="1"/>
+          </p:cNvSpPr>
+          <p:nvPr>
+            <p:ph type="sldNum" sz="quarter" idx="12"/>
+          </p:nvPr>
+        </p:nvSpPr>
+        <p:spPr/>
+        <p:txBody>
+          <a:bodyPr/>
+          <a:lstStyle/>
+          <a:p>
+            <a:pPr>
+              <a:defRPr/>
+            </a:pPr>
+            <a:fld id="{20CDDA0F-6228-4D21-A34F-D991946E76B9}" type="slidenum">
+              <a:rPr lang="en-US" altLang="en-US" smtClean="0"/>
+              <a:pPr>
+                <a:defRPr/>
+              </a:pPr>
+              <a:t>3</a:t>
+            </a:fld>
+            <a:endParaRPr lang="en-US" altLang="en-US"/>
+          </a:p>
+        </p:txBody>
+      </p:sp>
+      <p:sp>
+        <p:nvSpPr>
+          <p:cNvPr id="4" name="Content Placeholder 3"/>
+          <p:cNvSpPr>
+            <a:spLocks noGrp="1"/>
+          </p:cNvSpPr>
+          <p:nvPr>
+            <p:ph idx="1"/>
+          </p:nvPr>
+        </p:nvSpPr>
+        <p:spPr>
+          <a:xfrm>
+            <a:off x="609600" y="1600200"/>
+            <a:ext cx="8077200" cy="4691062"/>
+          </a:xfrm>
+        </p:spPr>
+        <p:txBody>
+          <a:bodyPr/>
+          <a:lstStyle/>
+          <a:p>
+            <a:pPr>
+              <a:buFont typeface="Wingdings" panose="05000000000000000000" pitchFamily="2" charset="2"/>
+              <a:buChar char="v"/>
+            </a:pPr>
+            <a:r>
+              <a:rPr lang="en-US" err="1"/>
+              <a:t>Tại</a:t>
+            </a:r>
+            <a:r>
+              <a:rPr lang="en-US"/>
+              <a:t> </a:t>
+            </a:r>
+            <a:r>
+              <a:rPr lang="en-US" err="1"/>
+              <a:t>sao</a:t>
+            </a:r>
+            <a:r>
+              <a:rPr lang="en-US"/>
+              <a:t> </a:t>
+            </a:r>
+            <a:r>
+              <a:rPr lang="en-US" err="1"/>
+              <a:t>thực</a:t>
+            </a:r>
+            <a:r>
+              <a:rPr lang="en-US"/>
+              <a:t> </a:t>
+            </a:r>
+            <a:r>
+              <a:rPr lang="en-US" err="1"/>
+              <a:t>hiện</a:t>
+            </a:r>
+            <a:r>
+              <a:rPr lang="en-US"/>
+              <a:t> </a:t>
+            </a:r>
+            <a:r>
+              <a:rPr lang="en-US" err="1"/>
+              <a:t>đề</a:t>
+            </a:r>
+            <a:r>
+              <a:rPr lang="en-US"/>
+              <a:t> </a:t>
+            </a:r>
+            <a:r>
+              <a:rPr lang="en-US" err="1"/>
+              <a:t>tài</a:t>
+            </a:r>
+            <a:r>
+              <a:rPr lang="en-US"/>
+              <a:t> </a:t>
+            </a:r>
+            <a:r>
+              <a:rPr lang="en-US" err="1"/>
+              <a:t>này</a:t>
+            </a:r>
+            <a:r>
+              <a:rPr lang="en-US"/>
+              <a:t>?</a:t>
+            </a:r>
+          </a:p>
+          <a:p>
+            <a:pPr>
+              <a:buFont typeface="Wingdings" panose="05000000000000000000" pitchFamily="2" charset="2"/>
+              <a:buChar char="v"/>
+            </a:pPr>
+            <a:r>
+              <a:rPr lang="en-US" err="1"/>
+              <a:t>Mục</a:t>
+            </a:r>
+            <a:r>
+              <a:rPr lang="en-US"/>
+              <a:t> </a:t>
+            </a:r>
+            <a:r>
+              <a:rPr lang="en-US" err="1"/>
+              <a:t>tiêu</a:t>
+            </a:r>
+            <a:r>
+              <a:rPr lang="en-US"/>
+              <a:t> </a:t>
+            </a:r>
+            <a:r>
+              <a:rPr lang="en-US" err="1"/>
+              <a:t>đề</a:t>
+            </a:r>
+            <a:r>
+              <a:rPr lang="en-US"/>
+              <a:t> tài</a:t>
+            </a:r>
+          </a:p>
+          <a:p>
+            <a:pPr>
+              <a:buFont typeface="Wingdings" panose="05000000000000000000" pitchFamily="2" charset="2"/>
+              <a:buChar char="v"/>
+            </a:pPr>
+            <a:r>
+              <a:rPr lang="en-US" err="1"/>
+              <a:t>Phạm</a:t>
+            </a:r>
+            <a:r>
+              <a:rPr lang="en-US"/>
+              <a:t> vi đề tài</a:t>
+            </a:r>
+          </a:p>
+          <a:p>
+            <a:pPr marL="0" indent="0">
+              <a:buNone/>
+            </a:pPr>
+            <a:endParaRPr lang="en-US" sz="1400"/>
+          </a:p>
+        </p:txBody>
+      </p:sp>
+    </p:spTree>
+    <p:extLst>
+      <p:ext uri="{BB962C8B-B14F-4D97-AF65-F5344CB8AC3E}">
+        <p14:creationId xmlns:p14="http://schemas.microsoft.com/office/powerpoint/2010/main" val="3943086417"/>
+      </p:ext>
+    </p:extLst>
+  </p:cSld>
+  <p:clrMapOvr>
+    <a:masterClrMapping/>
+  </p:clrMapOvr>
+  <mc:AlternateContent xmlns:mc="http://schemas.openxmlformats.org/markup-compatibility/2006" xmlns:p14="http://schemas.microsoft.com/office/powerpoint/2010/main">
+    <mc:Choice Requires="p14">
+      <p:transition p14:dur="10"/>
+    </mc:Choice>
+    <mc:Fallback xmlns="">
+      <p:transition/>
+    </mc:Fallback>
+  </mc:AlternateContent>
+</p:sld>
+</file>
+
+<file path=ppt/slides/slide30.xml><?xml version="1.0" encoding="utf-8"?>
 <p:sld xmlns:a="http://schemas.openxmlformats.org/drawingml/2006/main" xmlns:r="http://schemas.openxmlformats.org/officeDocument/2006/relationships" xmlns:p="http://schemas.openxmlformats.org/presentationml/2006/main">
   <p:cSld>
     <p:spTree>
@@ -22565,7 +23694,7 @@
               <a:pPr>
                 <a:defRPr/>
               </a:pPr>
-              <a:t>28</a:t>
+              <a:t>30</a:t>
             </a:fld>
             <a:endParaRPr lang="en-US" altLang="en-US"/>
           </a:p>
@@ -22721,7 +23850,7 @@
 </p:sld>
 </file>
 
-<file path=ppt/slides/slide29.xml><?xml version="1.0" encoding="utf-8"?>
+<file path=ppt/slides/slide31.xml><?xml version="1.0" encoding="utf-8"?>
 <p:sld xmlns:a="http://schemas.openxmlformats.org/drawingml/2006/main" xmlns:r="http://schemas.openxmlformats.org/officeDocument/2006/relationships" xmlns:p="http://schemas.openxmlformats.org/presentationml/2006/main">
   <p:cSld>
     <p:spTree>
@@ -23462,7 +24591,7 @@
               <a:pPr>
                 <a:defRPr/>
               </a:pPr>
-              <a:t>29</a:t>
+              <a:t>31</a:t>
             </a:fld>
             <a:endParaRPr lang="en-US" altLang="en-US"/>
           </a:p>
@@ -23701,7 +24830,7 @@
 </p:sld>
 </file>
 
-<file path=ppt/slides/slide3.xml><?xml version="1.0" encoding="utf-8"?>
+<file path=ppt/slides/slide32.xml><?xml version="1.0" encoding="utf-8"?>
 <p:sld xmlns:a="http://schemas.openxmlformats.org/drawingml/2006/main" xmlns:r="http://schemas.openxmlformats.org/officeDocument/2006/relationships" xmlns:p="http://schemas.openxmlformats.org/presentationml/2006/main">
   <p:cSld>
     <p:spTree>
@@ -23733,229 +24862,6 @@
           <a:bodyPr/>
           <a:lstStyle/>
           <a:p>
-            <a:pPr algn="ctr"/>
-            <a:r>
-              <a:rPr lang="en-US"/>
-              <a:t>ĐẶT VẤN ĐỀ</a:t>
-            </a:r>
-          </a:p>
-        </p:txBody>
-      </p:sp>
-      <p:sp>
-        <p:nvSpPr>
-          <p:cNvPr id="3" name="Slide Number Placeholder 2"/>
-          <p:cNvSpPr>
-            <a:spLocks noGrp="1"/>
-          </p:cNvSpPr>
-          <p:nvPr>
-            <p:ph type="sldNum" sz="quarter" idx="12"/>
-          </p:nvPr>
-        </p:nvSpPr>
-        <p:spPr/>
-        <p:txBody>
-          <a:bodyPr/>
-          <a:lstStyle/>
-          <a:p>
-            <a:pPr>
-              <a:defRPr/>
-            </a:pPr>
-            <a:fld id="{20CDDA0F-6228-4D21-A34F-D991946E76B9}" type="slidenum">
-              <a:rPr lang="en-US" altLang="en-US" smtClean="0"/>
-              <a:pPr>
-                <a:defRPr/>
-              </a:pPr>
-              <a:t>3</a:t>
-            </a:fld>
-            <a:endParaRPr lang="en-US" altLang="en-US"/>
-          </a:p>
-        </p:txBody>
-      </p:sp>
-      <p:sp>
-        <p:nvSpPr>
-          <p:cNvPr id="4" name="Content Placeholder 3"/>
-          <p:cNvSpPr>
-            <a:spLocks noGrp="1"/>
-          </p:cNvSpPr>
-          <p:nvPr>
-            <p:ph idx="1"/>
-          </p:nvPr>
-        </p:nvSpPr>
-        <p:spPr>
-          <a:xfrm>
-            <a:off x="609600" y="1600200"/>
-            <a:ext cx="8077200" cy="4691062"/>
-          </a:xfrm>
-        </p:spPr>
-        <p:txBody>
-          <a:bodyPr/>
-          <a:lstStyle/>
-          <a:p>
-            <a:pPr>
-              <a:buFont typeface="Wingdings" panose="05000000000000000000" pitchFamily="2" charset="2"/>
-              <a:buChar char="v"/>
-            </a:pPr>
-            <a:r>
-              <a:rPr lang="en-US" err="1"/>
-              <a:t>Tại</a:t>
-            </a:r>
-            <a:r>
-              <a:rPr lang="en-US"/>
-              <a:t> </a:t>
-            </a:r>
-            <a:r>
-              <a:rPr lang="en-US" err="1"/>
-              <a:t>sao</a:t>
-            </a:r>
-            <a:r>
-              <a:rPr lang="en-US"/>
-              <a:t> </a:t>
-            </a:r>
-            <a:r>
-              <a:rPr lang="en-US" err="1"/>
-              <a:t>thực</a:t>
-            </a:r>
-            <a:r>
-              <a:rPr lang="en-US"/>
-              <a:t> </a:t>
-            </a:r>
-            <a:r>
-              <a:rPr lang="en-US" err="1"/>
-              <a:t>hiện</a:t>
-            </a:r>
-            <a:r>
-              <a:rPr lang="en-US"/>
-              <a:t> </a:t>
-            </a:r>
-            <a:r>
-              <a:rPr lang="en-US" err="1"/>
-              <a:t>đề</a:t>
-            </a:r>
-            <a:r>
-              <a:rPr lang="en-US"/>
-              <a:t> </a:t>
-            </a:r>
-            <a:r>
-              <a:rPr lang="en-US" err="1"/>
-              <a:t>tài</a:t>
-            </a:r>
-            <a:r>
-              <a:rPr lang="en-US"/>
-              <a:t> </a:t>
-            </a:r>
-            <a:r>
-              <a:rPr lang="en-US" err="1"/>
-              <a:t>này</a:t>
-            </a:r>
-            <a:r>
-              <a:rPr lang="en-US"/>
-              <a:t>?</a:t>
-            </a:r>
-          </a:p>
-          <a:p>
-            <a:pPr>
-              <a:buFont typeface="Wingdings" panose="05000000000000000000" pitchFamily="2" charset="2"/>
-              <a:buChar char="v"/>
-            </a:pPr>
-            <a:r>
-              <a:rPr lang="en-US" err="1"/>
-              <a:t>Mục</a:t>
-            </a:r>
-            <a:r>
-              <a:rPr lang="en-US"/>
-              <a:t> </a:t>
-            </a:r>
-            <a:r>
-              <a:rPr lang="en-US" err="1"/>
-              <a:t>tiêu</a:t>
-            </a:r>
-            <a:r>
-              <a:rPr lang="en-US"/>
-              <a:t> </a:t>
-            </a:r>
-            <a:r>
-              <a:rPr lang="en-US" err="1"/>
-              <a:t>đề</a:t>
-            </a:r>
-            <a:r>
-              <a:rPr lang="en-US"/>
-              <a:t> tài</a:t>
-            </a:r>
-          </a:p>
-          <a:p>
-            <a:pPr>
-              <a:buFont typeface="Wingdings" panose="05000000000000000000" pitchFamily="2" charset="2"/>
-              <a:buChar char="v"/>
-            </a:pPr>
-            <a:r>
-              <a:rPr lang="en-US" err="1"/>
-              <a:t>Phạm</a:t>
-            </a:r>
-            <a:r>
-              <a:rPr lang="en-US"/>
-              <a:t> vi đề tài</a:t>
-            </a:r>
-          </a:p>
-          <a:p>
-            <a:pPr marL="0" indent="0">
-              <a:buNone/>
-            </a:pPr>
-            <a:endParaRPr lang="en-US" sz="1400"/>
-          </a:p>
-        </p:txBody>
-      </p:sp>
-    </p:spTree>
-    <p:extLst>
-      <p:ext uri="{BB962C8B-B14F-4D97-AF65-F5344CB8AC3E}">
-        <p14:creationId xmlns:p14="http://schemas.microsoft.com/office/powerpoint/2010/main" val="3943086417"/>
-      </p:ext>
-    </p:extLst>
-  </p:cSld>
-  <p:clrMapOvr>
-    <a:masterClrMapping/>
-  </p:clrMapOvr>
-  <mc:AlternateContent xmlns:mc="http://schemas.openxmlformats.org/markup-compatibility/2006" xmlns:p14="http://schemas.microsoft.com/office/powerpoint/2010/main">
-    <mc:Choice Requires="p14">
-      <p:transition p14:dur="10"/>
-    </mc:Choice>
-    <mc:Fallback xmlns="">
-      <p:transition/>
-    </mc:Fallback>
-  </mc:AlternateContent>
-</p:sld>
-</file>
-
-<file path=ppt/slides/slide30.xml><?xml version="1.0" encoding="utf-8"?>
-<p:sld xmlns:a="http://schemas.openxmlformats.org/drawingml/2006/main" xmlns:r="http://schemas.openxmlformats.org/officeDocument/2006/relationships" xmlns:p="http://schemas.openxmlformats.org/presentationml/2006/main">
-  <p:cSld>
-    <p:spTree>
-      <p:nvGrpSpPr>
-        <p:cNvPr id="1" name=""/>
-        <p:cNvGrpSpPr/>
-        <p:nvPr/>
-      </p:nvGrpSpPr>
-      <p:grpSpPr>
-        <a:xfrm>
-          <a:off x="0" y="0"/>
-          <a:ext cx="0" cy="0"/>
-          <a:chOff x="0" y="0"/>
-          <a:chExt cx="0" cy="0"/>
-        </a:xfrm>
-      </p:grpSpPr>
-      <p:sp>
-        <p:nvSpPr>
-          <p:cNvPr id="2" name="Title 1"/>
-          <p:cNvSpPr>
-            <a:spLocks noGrp="1"/>
-          </p:cNvSpPr>
-          <p:nvPr>
-            <p:ph type="title"/>
-          </p:nvPr>
-        </p:nvSpPr>
-        <p:spPr/>
-        <p:txBody>
-          <a:bodyPr/>
-          <a:lstStyle/>
-          <a:p>
             <a:r>
               <a:rPr lang="en-US" dirty="0"/>
               <a:t>Demo</a:t>
@@ -24052,7 +24958,7 @@
               <a:pPr>
                 <a:defRPr/>
               </a:pPr>
-              <a:t>30</a:t>
+              <a:t>32</a:t>
             </a:fld>
             <a:endParaRPr lang="en-US" altLang="en-US"/>
           </a:p>
@@ -24071,7 +24977,7 @@
 </p:sld>
 </file>
 
-<file path=ppt/slides/slide31.xml><?xml version="1.0" encoding="utf-8"?>
+<file path=ppt/slides/slide33.xml><?xml version="1.0" encoding="utf-8"?>
 <p:sld xmlns:a="http://schemas.openxmlformats.org/drawingml/2006/main" xmlns:r="http://schemas.openxmlformats.org/officeDocument/2006/relationships" xmlns:p="http://schemas.openxmlformats.org/presentationml/2006/main" showMasterSp="0">
   <p:cSld>
     <p:bg>
@@ -28197,6 +29103,76 @@
           </a:p>
         </p:txBody>
       </p:sp>
+      <p:pic>
+        <p:nvPicPr>
+          <p:cNvPr id="7" name="Picture 6" descr="https://fiverr-res.cloudinary.com/images/t_main1,q_auto,f_auto/gigs/104961974/original/115a26d1dd15eb9dc31b93fc1032b8ce9c1d3e3c/develop-web-services-from-spring-framework.png">
+            <a:extLst>
+              <a:ext uri="{FF2B5EF4-FFF2-40B4-BE49-F238E27FC236}">
+                <a16:creationId xmlns:a16="http://schemas.microsoft.com/office/drawing/2014/main" id="{F9ECFB6D-DC48-4CE4-ADCF-CE524EA42B79}"/>
+              </a:ext>
+            </a:extLst>
+          </p:cNvPr>
+          <p:cNvPicPr>
+            <a:picLocks noChangeAspect="1" noChangeArrowheads="1"/>
+          </p:cNvPicPr>
+          <p:nvPr/>
+        </p:nvPicPr>
+        <p:blipFill>
+          <a:blip r:embed="rId3" cstate="print">
+            <a:extLst>
+              <a:ext uri="{28A0092B-C50C-407E-A947-70E740481C1C}">
+                <a14:useLocalDpi xmlns:a14="http://schemas.microsoft.com/office/drawing/2010/main" val="0"/>
+              </a:ext>
+            </a:extLst>
+          </a:blip>
+          <a:srcRect/>
+          <a:stretch>
+            <a:fillRect/>
+          </a:stretch>
+        </p:blipFill>
+        <p:spPr bwMode="auto">
+          <a:xfrm>
+            <a:off x="6111765" y="194038"/>
+            <a:ext cx="1367131" cy="944563"/>
+          </a:xfrm>
+          <a:prstGeom prst="rect">
+            <a:avLst/>
+          </a:prstGeom>
+          <a:noFill/>
+          <a:ln>
+            <a:noFill/>
+          </a:ln>
+          <a:effectLst/>
+          <a:extLst>
+            <a:ext uri="{909E8E84-426E-40DD-AFC4-6F175D3DCCD1}">
+              <a14:hiddenFill xmlns:a14="http://schemas.microsoft.com/office/drawing/2010/main">
+                <a:solidFill>
+                  <a:srgbClr val="FFFFFF"/>
+                </a:solidFill>
+              </a14:hiddenFill>
+            </a:ext>
+            <a:ext uri="{91240B29-F687-4F45-9708-019B960494DF}">
+              <a14:hiddenLine xmlns:a14="http://schemas.microsoft.com/office/drawing/2010/main" w="9525">
+                <a:solidFill>
+                  <a:schemeClr val="tx1"/>
+                </a:solidFill>
+                <a:miter lim="800000"/>
+                <a:headEnd/>
+                <a:tailEnd/>
+              </a14:hiddenLine>
+            </a:ext>
+            <a:ext uri="{AF507438-7753-43E0-B8FC-AC1667EBCBE1}">
+              <a14:hiddenEffects xmlns:a14="http://schemas.microsoft.com/office/drawing/2010/main">
+                <a:effectLst>
+                  <a:outerShdw dist="35921" dir="2700000" algn="ctr" rotWithShape="0">
+                    <a:schemeClr val="bg2"/>
+                  </a:outerShdw>
+                </a:effectLst>
+              </a14:hiddenEffects>
+            </a:ext>
+          </a:extLst>
+        </p:spPr>
+      </p:pic>
     </p:spTree>
     <p:extLst>
       <p:ext uri="{BB962C8B-B14F-4D97-AF65-F5344CB8AC3E}">
